--- a/000_Lecture_Project/w01_Intro/02_Why_DP.pptx
+++ b/000_Lecture_Project/w01_Intro/02_Why_DP.pptx
@@ -14,6 +14,7 @@
     <p:sldId id="258" r:id="rId7"/>
     <p:sldId id="259" r:id="rId8"/>
     <p:sldId id="260" r:id="rId9"/>
+    <p:sldId id="261" r:id="rId10"/>
   </p:sldIdLst>
   <p:sldSz cx="9144000" cy="6858000"/>
   <p:notesSz cx="6858000" cy="9144000"/>
@@ -297,7 +298,7 @@
             <a:pPr algn="r">
               <a:buNone/>
             </a:pPr>
-            <a:fld id="{C8D365B3-739F-4B0D-8389-FD1D9A01109C}" type="slidenum">
+            <a:fld id="{69CF67F0-0403-4EF2-AFB9-9723D985097B}" type="slidenum">
               <a:rPr b="0" lang="en-US" sz="1400" spc="-1" strike="noStrike">
                 <a:latin typeface="Times New Roman"/>
               </a:rPr>
@@ -334,7 +335,7 @@
       </p:grpSpPr>
       <p:sp>
         <p:nvSpPr>
-          <p:cNvPr id="115" name="PlaceHolder 1"/>
+          <p:cNvPr id="117" name="PlaceHolder 1"/>
           <p:cNvSpPr>
             <a:spLocks noGrp="1"/>
           </p:cNvSpPr>
@@ -357,7 +358,7 @@
       </p:sp>
       <p:sp>
         <p:nvSpPr>
-          <p:cNvPr id="116" name="PlaceHolder 2"/>
+          <p:cNvPr id="118" name="PlaceHolder 2"/>
           <p:cNvSpPr>
             <a:spLocks noGrp="1"/>
           </p:cNvSpPr>
@@ -391,12 +392,12 @@
       </p:sp>
       <p:sp>
         <p:nvSpPr>
-          <p:cNvPr id="117" name="PlaceHolder 3"/>
-          <p:cNvSpPr>
-            <a:spLocks noGrp="1"/>
-          </p:cNvSpPr>
-          <p:nvPr>
-            <p:ph type="sldNum" idx="13"/>
+          <p:cNvPr id="119" name="PlaceHolder 3"/>
+          <p:cNvSpPr>
+            <a:spLocks noGrp="1"/>
+          </p:cNvSpPr>
+          <p:nvPr>
+            <p:ph type="sldNum" idx="14"/>
           </p:nvPr>
         </p:nvSpPr>
         <p:spPr>
@@ -438,7 +439,7 @@
               </a:lnSpc>
               <a:buNone/>
             </a:pPr>
-            <a:fld id="{C7F298F8-E667-457B-B007-84D0C40F8996}" type="slidenum">
+            <a:fld id="{B84EB951-3FF1-4C53-B1C6-81120ABEF4E1}" type="slidenum">
               <a:rPr b="0" lang="en-US" sz="1200" spc="-1" strike="noStrike">
                 <a:solidFill>
                   <a:srgbClr val="000000"/>
@@ -510,7 +511,7 @@
         <p:txBody>
           <a:bodyPr/>
           <a:p>
-            <a:fld id="{682DCA02-BB56-48D6-952F-2F011C66E144}" type="slidenum">
+            <a:fld id="{20064BD7-55C8-4558-9791-A75530915702}" type="slidenum">
               <a:t>&lt;#&gt;</a:t>
             </a:fld>
           </a:p>
@@ -698,7 +699,7 @@
         <p:txBody>
           <a:bodyPr/>
           <a:p>
-            <a:fld id="{0247B89B-D9D5-4217-A874-9B3EED88F6E3}" type="slidenum">
+            <a:fld id="{01F54A9B-6E9A-4352-B3BA-25FA523F3612}" type="slidenum">
               <a:t>&lt;#&gt;</a:t>
             </a:fld>
           </a:p>
@@ -954,7 +955,7 @@
         <p:txBody>
           <a:bodyPr/>
           <a:p>
-            <a:fld id="{2B35E088-62F0-4A9A-82CF-D8161FB88BF8}" type="slidenum">
+            <a:fld id="{15274F30-8F6B-4595-B1F0-58A5C45BF899}" type="slidenum">
               <a:t>&lt;#&gt;</a:t>
             </a:fld>
           </a:p>
@@ -1278,7 +1279,7 @@
         <p:txBody>
           <a:bodyPr/>
           <a:p>
-            <a:fld id="{1E5B5988-AF56-4DBE-9BFF-304AC637F295}" type="slidenum">
+            <a:fld id="{8F95555A-2E27-43BC-96B4-A02BA9208D41}" type="slidenum">
               <a:t>&lt;#&gt;</a:t>
             </a:fld>
           </a:p>
@@ -1361,7 +1362,7 @@
         <p:txBody>
           <a:bodyPr/>
           <a:p>
-            <a:fld id="{EA548FF3-47A1-4EC9-B741-EA8490559A27}" type="slidenum">
+            <a:fld id="{7EF50F41-598B-477C-98F4-3669E2E989BD}" type="slidenum">
               <a:t>&lt;#&gt;</a:t>
             </a:fld>
           </a:p>
@@ -1518,7 +1519,7 @@
         <p:txBody>
           <a:bodyPr/>
           <a:p>
-            <a:fld id="{77143A8B-2AD7-4476-BF68-46A84D8A002C}" type="slidenum">
+            <a:fld id="{EF724F46-5B08-4D5B-BD1B-D19B1C3769F4}" type="slidenum">
               <a:t>&lt;#&gt;</a:t>
             </a:fld>
           </a:p>
@@ -1672,7 +1673,7 @@
         <p:txBody>
           <a:bodyPr/>
           <a:p>
-            <a:fld id="{58EE7E61-3390-41F2-BF19-E88CACC3DB97}" type="slidenum">
+            <a:fld id="{7839AE67-58EB-4587-B235-8E597E5D8B25}" type="slidenum">
               <a:t>&lt;#&gt;</a:t>
             </a:fld>
           </a:p>
@@ -1860,7 +1861,7 @@
         <p:txBody>
           <a:bodyPr/>
           <a:p>
-            <a:fld id="{AA9B27CD-1182-4C8F-B8A0-49EAE113AC92}" type="slidenum">
+            <a:fld id="{48DBC40A-DD04-4201-9C32-30B0D3C3542B}" type="slidenum">
               <a:t>&lt;#&gt;</a:t>
             </a:fld>
           </a:p>
@@ -1980,7 +1981,7 @@
         <p:txBody>
           <a:bodyPr/>
           <a:p>
-            <a:fld id="{4DD1E2AB-9857-4083-86B9-6F6604496020}" type="slidenum">
+            <a:fld id="{4C5D8A99-F09E-42F1-BDF1-7D6A92B63EE1}" type="slidenum">
               <a:t>&lt;#&gt;</a:t>
             </a:fld>
           </a:p>
@@ -2100,7 +2101,7 @@
         <p:txBody>
           <a:bodyPr/>
           <a:p>
-            <a:fld id="{C0DFCB48-C69D-4EE6-85C2-B52451CD7099}" type="slidenum">
+            <a:fld id="{4E49D4FA-4E18-494F-A179-4C4B06A262A4}" type="slidenum">
               <a:t>&lt;#&gt;</a:t>
             </a:fld>
           </a:p>
@@ -2322,7 +2323,7 @@
         <p:txBody>
           <a:bodyPr/>
           <a:p>
-            <a:fld id="{04639100-B13E-47D4-934E-EC00681C58C7}" type="slidenum">
+            <a:fld id="{60A50428-7FFB-41B4-8E7C-84730A90748B}" type="slidenum">
               <a:t>&lt;#&gt;</a:t>
             </a:fld>
           </a:p>
@@ -2479,7 +2480,7 @@
         <p:txBody>
           <a:bodyPr/>
           <a:p>
-            <a:fld id="{E5A49766-B31C-4D51-BA11-23658F4AA32E}" type="slidenum">
+            <a:fld id="{F2A9C04B-856F-4CF1-ABC8-E1A8788B24A0}" type="slidenum">
               <a:t>&lt;#&gt;</a:t>
             </a:fld>
           </a:p>
@@ -2701,7 +2702,7 @@
         <p:txBody>
           <a:bodyPr/>
           <a:p>
-            <a:fld id="{2AA5ED28-2C01-4ABB-984B-3DBAC7F8B76F}" type="slidenum">
+            <a:fld id="{8D00967A-2B33-4E81-8659-1876B55B3705}" type="slidenum">
               <a:t>&lt;#&gt;</a:t>
             </a:fld>
           </a:p>
@@ -2923,7 +2924,7 @@
         <p:txBody>
           <a:bodyPr/>
           <a:p>
-            <a:fld id="{3CE51240-51C0-48D2-B458-3E9765449CF9}" type="slidenum">
+            <a:fld id="{E5B165F5-FB5A-481B-9390-CB5BB1EFB1E4}" type="slidenum">
               <a:t>&lt;#&gt;</a:t>
             </a:fld>
           </a:p>
@@ -3111,7 +3112,7 @@
         <p:txBody>
           <a:bodyPr/>
           <a:p>
-            <a:fld id="{B65F38FF-77EE-4EE3-8382-643C57C3A4D8}" type="slidenum">
+            <a:fld id="{72C84088-59D0-4154-B428-F751680941B3}" type="slidenum">
               <a:t>&lt;#&gt;</a:t>
             </a:fld>
           </a:p>
@@ -3367,7 +3368,7 @@
         <p:txBody>
           <a:bodyPr/>
           <a:p>
-            <a:fld id="{10922F8B-EB3D-4D06-8069-3BE80AD0E940}" type="slidenum">
+            <a:fld id="{41517454-849F-41BA-99BC-3FD2AAF4A339}" type="slidenum">
               <a:t>&lt;#&gt;</a:t>
             </a:fld>
           </a:p>
@@ -3691,7 +3692,7 @@
         <p:txBody>
           <a:bodyPr/>
           <a:p>
-            <a:fld id="{3B0BC5DA-45D8-4E90-9979-510CFB1C375A}" type="slidenum">
+            <a:fld id="{8B91FFFD-D352-4057-BDF6-03F0AF4F701D}" type="slidenum">
               <a:t>&lt;#&gt;</a:t>
             </a:fld>
           </a:p>
@@ -3845,7 +3846,7 @@
         <p:txBody>
           <a:bodyPr/>
           <a:p>
-            <a:fld id="{EAB99BA1-5090-4967-B359-0C6658F9AA0B}" type="slidenum">
+            <a:fld id="{86FB746C-96B0-4DE7-AD4D-B3B70338D838}" type="slidenum">
               <a:t>&lt;#&gt;</a:t>
             </a:fld>
           </a:p>
@@ -4033,7 +4034,7 @@
         <p:txBody>
           <a:bodyPr/>
           <a:p>
-            <a:fld id="{476DEEF8-8C55-4FC2-9B35-A6F3F3DD876A}" type="slidenum">
+            <a:fld id="{7B3146BE-5F2E-4859-A77A-908AE3C328D4}" type="slidenum">
               <a:t>&lt;#&gt;</a:t>
             </a:fld>
           </a:p>
@@ -4153,7 +4154,7 @@
         <p:txBody>
           <a:bodyPr/>
           <a:p>
-            <a:fld id="{08EF9FD7-2891-4774-AAA3-323DA3200D62}" type="slidenum">
+            <a:fld id="{3812CAE5-7616-4562-92B0-CA4CA025D820}" type="slidenum">
               <a:t>&lt;#&gt;</a:t>
             </a:fld>
           </a:p>
@@ -4273,7 +4274,7 @@
         <p:txBody>
           <a:bodyPr/>
           <a:p>
-            <a:fld id="{FF5BF434-4466-4CA5-8F71-D23EFCBB22ED}" type="slidenum">
+            <a:fld id="{0E1086D7-FD4D-4F2C-BE1D-42048AF93ACB}" type="slidenum">
               <a:t>&lt;#&gt;</a:t>
             </a:fld>
           </a:p>
@@ -4495,7 +4496,7 @@
         <p:txBody>
           <a:bodyPr/>
           <a:p>
-            <a:fld id="{C5522092-0DDA-45E7-8763-9FB59E709532}" type="slidenum">
+            <a:fld id="{AB9E7C6D-E9A0-4FFA-A5DD-9C62E186FF77}" type="slidenum">
               <a:t>&lt;#&gt;</a:t>
             </a:fld>
           </a:p>
@@ -4717,7 +4718,7 @@
         <p:txBody>
           <a:bodyPr/>
           <a:p>
-            <a:fld id="{4D5DB979-78FF-4DFA-884C-4BC2AAF3E75D}" type="slidenum">
+            <a:fld id="{6ED6E97D-2082-4DCF-B3B9-9AD03739D9F1}" type="slidenum">
               <a:t>&lt;#&gt;</a:t>
             </a:fld>
           </a:p>
@@ -4939,7 +4940,7 @@
         <p:txBody>
           <a:bodyPr/>
           <a:p>
-            <a:fld id="{5DC21555-E5F1-49CC-8CE6-49D315EC9C49}" type="slidenum">
+            <a:fld id="{27226073-E66D-46F2-839B-65224BCCAAD8}" type="slidenum">
               <a:t>&lt;#&gt;</a:t>
             </a:fld>
           </a:p>
@@ -5109,7 +5110,7 @@
               </a:lnSpc>
               <a:buNone/>
             </a:pPr>
-            <a:fld id="{C3CB9BB8-0944-4ED5-BB8A-F34B5AE5181C}" type="slidenum">
+            <a:fld id="{B73551C8-C873-42AE-A77A-5CE0D8CBC03A}" type="slidenum">
               <a:rPr b="0" lang="en-US" sz="1200" spc="-1" strike="noStrike">
                 <a:solidFill>
                   <a:srgbClr val="8b8b8b"/>
@@ -5556,7 +5557,7 @@
               </a:lnSpc>
               <a:buNone/>
             </a:pPr>
-            <a:fld id="{DABB43D3-6E0B-4586-89B1-B12B50ED2ACE}" type="slidenum">
+            <a:fld id="{4276F9BB-FE96-4082-B696-0C4D015C9DF3}" type="slidenum">
               <a:rPr b="0" lang="en-US" sz="1200" spc="-1" strike="noStrike">
                 <a:solidFill>
                   <a:srgbClr val="8b8b8b"/>
@@ -5926,7 +5927,7 @@
                 <a:latin typeface="Calibri"/>
                 <a:ea typeface="DejaVu Sans"/>
               </a:rPr>
-              <a:t>002 DL: Why Deep Learning?</a:t>
+              <a:t>002 Why Deep Learning?</a:t>
             </a:r>
             <a:endParaRPr b="0" lang="en-US" sz="4200" spc="-1" strike="noStrike">
               <a:latin typeface="Arial"/>
@@ -6027,7 +6028,7 @@
         <p:txBody>
           <a:bodyPr/>
           <a:p>
-            <a:fld id="{D0659DCC-BF37-449F-AAF1-AD285AF3AFCF}" type="slidenum">
+            <a:fld id="{47499489-EE84-4DB9-A70E-1CBF3BFDF88A}" type="slidenum">
               <a:t>1</a:t>
             </a:fld>
           </a:p>
@@ -6047,9 +6048,9 @@
         <p:txBody>
           <a:bodyPr/>
           <a:p>
-            <a:fld id="{0CB050C2-FB9E-4A89-A713-0CB895F96BBB}" type="datetime1">
+            <a:fld id="{6E7DDCC6-E840-4747-B643-72949A612E78}" type="datetime1">
               <a:rPr lang="en-US"/>
-              <a:t>11/26/2023</a:t>
+              <a:t>01/18/2024</a:t>
             </a:fld>
           </a:p>
         </p:txBody>
@@ -6136,7 +6137,7 @@
                 <a:latin typeface="Calibri"/>
                 <a:ea typeface="DejaVu Sans"/>
               </a:rPr>
-              <a:t>002 DL: Why Deep Learning?</a:t>
+              <a:t>002 Why Deep Learning?</a:t>
             </a:r>
             <a:endParaRPr b="0" lang="en-US" sz="4200" spc="-1" strike="noStrike">
               <a:latin typeface="Arial"/>
@@ -6157,7 +6158,7 @@
         <p:spPr>
           <a:xfrm>
             <a:off x="232200" y="1302120"/>
-            <a:ext cx="8667000" cy="2583720"/>
+            <a:ext cx="8667000" cy="2126160"/>
           </a:xfrm>
           <a:prstGeom prst="rect">
             <a:avLst/>
@@ -6195,7 +6196,7 @@
                 <a:latin typeface="Calibri"/>
                 <a:ea typeface="DejaVu Sans"/>
               </a:rPr>
-              <a:t>DL: Why Deep Learning? (0:00-1:24/5:24)</a:t>
+              <a:t>Why Deep Learning is so Popular? (0:00-2:00/5:24)</a:t>
             </a:r>
             <a:endParaRPr b="0" lang="en-US" sz="1300" spc="-1" strike="noStrike">
               <a:latin typeface="Arial"/>
@@ -6223,7 +6224,7 @@
                 <a:latin typeface="Calibri"/>
                 <a:ea typeface="DejaVu Sans"/>
               </a:rPr>
-              <a:t>It is very difficult to implement the back propagation algorithm using Cpp.</a:t>
+              <a:t>What the deep learning become so popular now?</a:t>
             </a:r>
             <a:endParaRPr b="0" lang="en-US" sz="1300" spc="-1" strike="noStrike">
               <a:latin typeface="Arial"/>
@@ -6251,7 +6252,7 @@
                 <a:latin typeface="Calibri"/>
                 <a:ea typeface="DejaVu Sans"/>
               </a:rPr>
-              <a:t>The neural network concept is there for many years.</a:t>
+              <a:t>1. Data Grow: Because the Social Media (Facebook, Twitter, etc), Content rating (Reddit Blog, Amazon, etc), Encyclopedia Summarization (Chat GPT, Chat Bot, etc) in medical, law, etc. become so popular, the sentiment analysis for deep learning work better if the volume of data is higher.  </a:t>
             </a:r>
             <a:endParaRPr b="0" lang="en-US" sz="1300" spc="-1" strike="noStrike">
               <a:latin typeface="Arial"/>
@@ -6279,7 +6280,7 @@
                 <a:latin typeface="Calibri"/>
                 <a:ea typeface="DejaVu Sans"/>
               </a:rPr>
-              <a:t>Now, why the PyTorch packages and Tensorflow frameworks become popular?.</a:t>
+              <a:t>That is the general principle behind the neural network for statistical application. We need the high volume of statistical data.</a:t>
             </a:r>
             <a:endParaRPr b="0" lang="en-US" sz="1300" spc="-1" strike="noStrike">
               <a:latin typeface="Arial"/>
@@ -6307,90 +6308,6 @@
                 <a:latin typeface="Calibri"/>
                 <a:ea typeface="DejaVu Sans"/>
               </a:rPr>
-              <a:t>Because:</a:t>
-            </a:r>
-            <a:endParaRPr b="0" lang="en-US" sz="1300" spc="-1" strike="noStrike">
-              <a:latin typeface="Arial"/>
-            </a:endParaRPr>
-          </a:p>
-          <a:p>
-            <a:pPr marL="465120" indent="-465120">
-              <a:lnSpc>
-                <a:spcPct val="100000"/>
-              </a:lnSpc>
-              <a:spcBef>
-                <a:spcPts val="360"/>
-              </a:spcBef>
-              <a:buClr>
-                <a:srgbClr val="0070c0"/>
-              </a:buClr>
-              <a:buFont typeface="Wingdings" charset="2"/>
-              <a:buChar char=""/>
-            </a:pPr>
-            <a:r>
-              <a:rPr b="0" lang="en-US" sz="1300" spc="-1" strike="noStrike">
-                <a:solidFill>
-                  <a:srgbClr val="000000"/>
-                </a:solidFill>
-                <a:latin typeface="Calibri"/>
-                <a:ea typeface="DejaVu Sans"/>
-              </a:rPr>
-              <a:t>1. Data growth: The volume of data, e.g., business data for analysis, social media data for like/dislike, twitter semantic analysis</a:t>
-            </a:r>
-            <a:endParaRPr b="0" lang="en-US" sz="1300" spc="-1" strike="noStrike">
-              <a:latin typeface="Arial"/>
-            </a:endParaRPr>
-          </a:p>
-          <a:p>
-            <a:pPr marL="465120" indent="-465120">
-              <a:lnSpc>
-                <a:spcPct val="100000"/>
-              </a:lnSpc>
-              <a:spcBef>
-                <a:spcPts val="360"/>
-              </a:spcBef>
-              <a:buClr>
-                <a:srgbClr val="0070c0"/>
-              </a:buClr>
-              <a:buFont typeface="Wingdings" charset="2"/>
-              <a:buChar char=""/>
-            </a:pPr>
-            <a:r>
-              <a:rPr b="0" lang="en-US" sz="1300" spc="-1" strike="noStrike">
-                <a:solidFill>
-                  <a:srgbClr val="000000"/>
-                </a:solidFill>
-                <a:latin typeface="Calibri"/>
-                <a:ea typeface="DejaVu Sans"/>
-              </a:rPr>
-              <a:t>2. hardware advancement: in 2000s, we have CPU/Cores and MB/GB DRAM takes months to run jobs, now the computer with CPU/Cores DRAM in hours. With NVIDIA Titan RTX GPU 10GB VRAM to run in minutes. With NVIDIA HGX H100, we run in seconds.</a:t>
-            </a:r>
-            <a:endParaRPr b="0" lang="en-US" sz="1300" spc="-1" strike="noStrike">
-              <a:latin typeface="Arial"/>
-            </a:endParaRPr>
-          </a:p>
-          <a:p>
-            <a:pPr marL="465120" indent="-465120">
-              <a:lnSpc>
-                <a:spcPct val="100000"/>
-              </a:lnSpc>
-              <a:spcBef>
-                <a:spcPts val="360"/>
-              </a:spcBef>
-              <a:buClr>
-                <a:srgbClr val="0070c0"/>
-              </a:buClr>
-              <a:buFont typeface="Wingdings" charset="2"/>
-              <a:buChar char=""/>
-            </a:pPr>
-            <a:r>
-              <a:rPr b="0" lang="en-US" sz="1300" spc="-1" strike="noStrike">
-                <a:solidFill>
-                  <a:srgbClr val="000000"/>
-                </a:solidFill>
-                <a:latin typeface="Calibri"/>
-                <a:ea typeface="DejaVu Sans"/>
-              </a:rPr>
               <a:t> </a:t>
             </a:r>
             <a:endParaRPr b="0" lang="en-US" sz="1300" spc="-1" strike="noStrike">
@@ -6510,7 +6427,7 @@
               </a:lnSpc>
               <a:buNone/>
             </a:pPr>
-            <a:fld id="{6DD00674-A764-47D6-8506-4D59DD01DFD2}" type="slidenum">
+            <a:fld id="{74F6D042-D68B-43AC-9F11-785420634ED6}" type="slidenum">
               <a:rPr b="0" lang="en-US" sz="1200" spc="-1" strike="noStrike">
                 <a:solidFill>
                   <a:srgbClr val="8b8b8b"/>
@@ -6538,8 +6455,8 @@
         </p:blipFill>
         <p:spPr>
           <a:xfrm>
-            <a:off x="1362600" y="4057920"/>
-            <a:ext cx="2751840" cy="1656720"/>
+            <a:off x="2743200" y="4114800"/>
+            <a:ext cx="3495240" cy="666360"/>
           </a:xfrm>
           <a:prstGeom prst="rect">
             <a:avLst/>
@@ -6553,131 +6470,6 @@
       </p:pic>
       <p:sp>
         <p:nvSpPr>
-          <p:cNvPr id="96" name=""/>
-          <p:cNvSpPr/>
-          <p:nvPr/>
-        </p:nvSpPr>
-        <p:spPr>
-          <a:xfrm>
-            <a:off x="1600200" y="5825880"/>
-            <a:ext cx="2057040" cy="345960"/>
-          </a:xfrm>
-          <a:prstGeom prst="rect">
-            <a:avLst/>
-          </a:prstGeom>
-          <a:noFill/>
-          <a:ln w="0">
-            <a:solidFill>
-              <a:srgbClr val="bf0041"/>
-            </a:solidFill>
-          </a:ln>
-        </p:spPr>
-        <p:style>
-          <a:lnRef idx="0"/>
-          <a:fillRef idx="0"/>
-          <a:effectRef idx="0"/>
-          <a:fontRef idx="minor"/>
-        </p:style>
-        <p:txBody>
-          <a:bodyPr lIns="90000" rIns="90000" tIns="45000" bIns="45000" anchor="t">
-            <a:noAutofit/>
-          </a:bodyPr>
-          <a:p>
-            <a:pPr>
-              <a:lnSpc>
-                <a:spcPct val="100000"/>
-              </a:lnSpc>
-              <a:buNone/>
-            </a:pPr>
-            <a:r>
-              <a:rPr b="0" lang="en-US" sz="1800" spc="-1" strike="noStrike">
-                <a:latin typeface="Arial"/>
-              </a:rPr>
-              <a:t>Nvidia/Titan RTX</a:t>
-            </a:r>
-            <a:endParaRPr b="0" lang="en-US" sz="1800" spc="-1" strike="noStrike">
-              <a:latin typeface="Arial"/>
-            </a:endParaRPr>
-          </a:p>
-        </p:txBody>
-      </p:sp>
-      <p:sp>
-        <p:nvSpPr>
-          <p:cNvPr id="97" name=""/>
-          <p:cNvSpPr/>
-          <p:nvPr/>
-        </p:nvSpPr>
-        <p:spPr>
-          <a:xfrm>
-            <a:off x="5029200" y="5943600"/>
-            <a:ext cx="2057040" cy="345960"/>
-          </a:xfrm>
-          <a:prstGeom prst="rect">
-            <a:avLst/>
-          </a:prstGeom>
-          <a:noFill/>
-          <a:ln w="0">
-            <a:solidFill>
-              <a:srgbClr val="bf0041"/>
-            </a:solidFill>
-          </a:ln>
-        </p:spPr>
-        <p:style>
-          <a:lnRef idx="0"/>
-          <a:fillRef idx="0"/>
-          <a:effectRef idx="0"/>
-          <a:fontRef idx="minor"/>
-        </p:style>
-        <p:txBody>
-          <a:bodyPr lIns="90000" rIns="90000" tIns="45000" bIns="45000" anchor="t">
-            <a:noAutofit/>
-          </a:bodyPr>
-          <a:p>
-            <a:pPr>
-              <a:lnSpc>
-                <a:spcPct val="100000"/>
-              </a:lnSpc>
-              <a:buNone/>
-            </a:pPr>
-            <a:r>
-              <a:rPr b="0" lang="en-US" sz="1800" spc="-1" strike="noStrike">
-                <a:latin typeface="Arial"/>
-              </a:rPr>
-              <a:t>Nvidia/HGX H100</a:t>
-            </a:r>
-            <a:endParaRPr b="0" lang="en-US" sz="1800" spc="-1" strike="noStrike">
-              <a:latin typeface="Arial"/>
-            </a:endParaRPr>
-          </a:p>
-        </p:txBody>
-      </p:sp>
-      <p:pic>
-        <p:nvPicPr>
-          <p:cNvPr id="98" name="" descr=""/>
-          <p:cNvPicPr/>
-          <p:nvPr/>
-        </p:nvPicPr>
-        <p:blipFill>
-          <a:blip r:embed="rId2"/>
-          <a:stretch/>
-        </p:blipFill>
-        <p:spPr>
-          <a:xfrm>
-            <a:off x="4686480" y="4115160"/>
-            <a:ext cx="2856960" cy="1599480"/>
-          </a:xfrm>
-          <a:prstGeom prst="rect">
-            <a:avLst/>
-          </a:prstGeom>
-          <a:ln w="0">
-            <a:solidFill>
-              <a:srgbClr val="bf0041"/>
-            </a:solidFill>
-          </a:ln>
-        </p:spPr>
-      </p:pic>
-      <p:sp>
-        <p:nvSpPr>
           <p:cNvPr id="5" name="PlaceHolder 4"/>
           <p:cNvSpPr>
             <a:spLocks noGrp="1"/>
@@ -6690,9 +6482,9 @@
         <p:txBody>
           <a:bodyPr/>
           <a:p>
-            <a:fld id="{94865597-D6F7-4EAF-8100-6C88F6A97EFF}" type="datetime1">
+            <a:fld id="{CC19632B-4505-4BC6-8691-510F64EF9FB4}" type="datetime1">
               <a:rPr lang="en-US"/>
-              <a:t>11/26/2023</a:t>
+              <a:t>01/18/2024</a:t>
             </a:fld>
           </a:p>
         </p:txBody>
@@ -6729,7 +6521,7 @@
       </p:grpSpPr>
       <p:sp>
         <p:nvSpPr>
-          <p:cNvPr id="99" name="PlaceHolder 1"/>
+          <p:cNvPr id="96" name="PlaceHolder 1"/>
           <p:cNvSpPr>
             <a:spLocks noGrp="1"/>
           </p:cNvSpPr>
@@ -6779,7 +6571,7 @@
                 <a:latin typeface="Calibri"/>
                 <a:ea typeface="DejaVu Sans"/>
               </a:rPr>
-              <a:t>002 DL: Why Deep Learning?</a:t>
+              <a:t>002 Why Deep Learning?</a:t>
             </a:r>
             <a:endParaRPr b="0" lang="en-US" sz="4200" spc="-1" strike="noStrike">
               <a:latin typeface="Arial"/>
@@ -6789,7 +6581,7 @@
       </p:sp>
       <p:sp>
         <p:nvSpPr>
-          <p:cNvPr id="100" name="PlaceHolder 2"/>
+          <p:cNvPr id="97" name="PlaceHolder 2"/>
           <p:cNvSpPr>
             <a:spLocks noGrp="1"/>
           </p:cNvSpPr>
@@ -6799,8 +6591,8 @@
         </p:nvSpPr>
         <p:spPr>
           <a:xfrm>
-            <a:off x="232200" y="1302120"/>
-            <a:ext cx="8667000" cy="983520"/>
+            <a:off x="248400" y="1302120"/>
+            <a:ext cx="8667000" cy="983880"/>
           </a:xfrm>
           <a:prstGeom prst="rect">
             <a:avLst/>
@@ -6838,7 +6630,487 @@
                 <a:latin typeface="Calibri"/>
                 <a:ea typeface="DejaVu Sans"/>
               </a:rPr>
-              <a:t>DL: Why Deep Learning? (1:30-2:00/5:24)</a:t>
+              <a:t>W</a:t>
+            </a:r>
+            <a:r>
+              <a:rPr b="1" lang="en-US" sz="1300" spc="-1" strike="noStrike">
+                <a:solidFill>
+                  <a:srgbClr val="000000"/>
+                </a:solidFill>
+                <a:latin typeface="Calibri"/>
+                <a:ea typeface="DejaVu Sans"/>
+              </a:rPr>
+              <a:t>h</a:t>
+            </a:r>
+            <a:r>
+              <a:rPr b="1" lang="en-US" sz="1300" spc="-1" strike="noStrike">
+                <a:solidFill>
+                  <a:srgbClr val="000000"/>
+                </a:solidFill>
+                <a:latin typeface="Calibri"/>
+                <a:ea typeface="DejaVu Sans"/>
+              </a:rPr>
+              <a:t>y</a:t>
+            </a:r>
+            <a:r>
+              <a:rPr b="1" lang="en-US" sz="1300" spc="-1" strike="noStrike">
+                <a:solidFill>
+                  <a:srgbClr val="000000"/>
+                </a:solidFill>
+                <a:latin typeface="Calibri"/>
+                <a:ea typeface="DejaVu Sans"/>
+              </a:rPr>
+              <a:t> </a:t>
+            </a:r>
+            <a:r>
+              <a:rPr b="1" lang="en-US" sz="1300" spc="-1" strike="noStrike">
+                <a:solidFill>
+                  <a:srgbClr val="000000"/>
+                </a:solidFill>
+                <a:latin typeface="Calibri"/>
+                <a:ea typeface="DejaVu Sans"/>
+              </a:rPr>
+              <a:t>D</a:t>
+            </a:r>
+            <a:r>
+              <a:rPr b="1" lang="en-US" sz="1300" spc="-1" strike="noStrike">
+                <a:solidFill>
+                  <a:srgbClr val="000000"/>
+                </a:solidFill>
+                <a:latin typeface="Calibri"/>
+                <a:ea typeface="DejaVu Sans"/>
+              </a:rPr>
+              <a:t>e</a:t>
+            </a:r>
+            <a:r>
+              <a:rPr b="1" lang="en-US" sz="1300" spc="-1" strike="noStrike">
+                <a:solidFill>
+                  <a:srgbClr val="000000"/>
+                </a:solidFill>
+                <a:latin typeface="Calibri"/>
+                <a:ea typeface="DejaVu Sans"/>
+              </a:rPr>
+              <a:t>e</a:t>
+            </a:r>
+            <a:r>
+              <a:rPr b="1" lang="en-US" sz="1300" spc="-1" strike="noStrike">
+                <a:solidFill>
+                  <a:srgbClr val="000000"/>
+                </a:solidFill>
+                <a:latin typeface="Calibri"/>
+                <a:ea typeface="DejaVu Sans"/>
+              </a:rPr>
+              <a:t>p</a:t>
+            </a:r>
+            <a:r>
+              <a:rPr b="1" lang="en-US" sz="1300" spc="-1" strike="noStrike">
+                <a:solidFill>
+                  <a:srgbClr val="000000"/>
+                </a:solidFill>
+                <a:latin typeface="Calibri"/>
+                <a:ea typeface="DejaVu Sans"/>
+              </a:rPr>
+              <a:t> </a:t>
+            </a:r>
+            <a:r>
+              <a:rPr b="1" lang="en-US" sz="1300" spc="-1" strike="noStrike">
+                <a:solidFill>
+                  <a:srgbClr val="000000"/>
+                </a:solidFill>
+                <a:latin typeface="Calibri"/>
+                <a:ea typeface="DejaVu Sans"/>
+              </a:rPr>
+              <a:t>L</a:t>
+            </a:r>
+            <a:r>
+              <a:rPr b="1" lang="en-US" sz="1300" spc="-1" strike="noStrike">
+                <a:solidFill>
+                  <a:srgbClr val="000000"/>
+                </a:solidFill>
+                <a:latin typeface="Calibri"/>
+                <a:ea typeface="DejaVu Sans"/>
+              </a:rPr>
+              <a:t>e</a:t>
+            </a:r>
+            <a:r>
+              <a:rPr b="1" lang="en-US" sz="1300" spc="-1" strike="noStrike">
+                <a:solidFill>
+                  <a:srgbClr val="000000"/>
+                </a:solidFill>
+                <a:latin typeface="Calibri"/>
+                <a:ea typeface="DejaVu Sans"/>
+              </a:rPr>
+              <a:t>a</a:t>
+            </a:r>
+            <a:r>
+              <a:rPr b="1" lang="en-US" sz="1300" spc="-1" strike="noStrike">
+                <a:solidFill>
+                  <a:srgbClr val="000000"/>
+                </a:solidFill>
+                <a:latin typeface="Calibri"/>
+                <a:ea typeface="DejaVu Sans"/>
+              </a:rPr>
+              <a:t>r</a:t>
+            </a:r>
+            <a:r>
+              <a:rPr b="1" lang="en-US" sz="1300" spc="-1" strike="noStrike">
+                <a:solidFill>
+                  <a:srgbClr val="000000"/>
+                </a:solidFill>
+                <a:latin typeface="Calibri"/>
+                <a:ea typeface="DejaVu Sans"/>
+              </a:rPr>
+              <a:t>n</a:t>
+            </a:r>
+            <a:r>
+              <a:rPr b="1" lang="en-US" sz="1300" spc="-1" strike="noStrike">
+                <a:solidFill>
+                  <a:srgbClr val="000000"/>
+                </a:solidFill>
+                <a:latin typeface="Calibri"/>
+                <a:ea typeface="DejaVu Sans"/>
+              </a:rPr>
+              <a:t>i</a:t>
+            </a:r>
+            <a:r>
+              <a:rPr b="1" lang="en-US" sz="1300" spc="-1" strike="noStrike">
+                <a:solidFill>
+                  <a:srgbClr val="000000"/>
+                </a:solidFill>
+                <a:latin typeface="Calibri"/>
+                <a:ea typeface="DejaVu Sans"/>
+              </a:rPr>
+              <a:t>n</a:t>
+            </a:r>
+            <a:r>
+              <a:rPr b="1" lang="en-US" sz="1300" spc="-1" strike="noStrike">
+                <a:solidFill>
+                  <a:srgbClr val="000000"/>
+                </a:solidFill>
+                <a:latin typeface="Calibri"/>
+                <a:ea typeface="DejaVu Sans"/>
+              </a:rPr>
+              <a:t>g</a:t>
+            </a:r>
+            <a:r>
+              <a:rPr b="1" lang="en-US" sz="1300" spc="-1" strike="noStrike">
+                <a:solidFill>
+                  <a:srgbClr val="000000"/>
+                </a:solidFill>
+                <a:latin typeface="Calibri"/>
+                <a:ea typeface="DejaVu Sans"/>
+              </a:rPr>
+              <a:t> </a:t>
+            </a:r>
+            <a:r>
+              <a:rPr b="1" lang="en-US" sz="1300" spc="-1" strike="noStrike">
+                <a:solidFill>
+                  <a:srgbClr val="000000"/>
+                </a:solidFill>
+                <a:latin typeface="Calibri"/>
+                <a:ea typeface="DejaVu Sans"/>
+              </a:rPr>
+              <a:t>i</a:t>
+            </a:r>
+            <a:r>
+              <a:rPr b="1" lang="en-US" sz="1300" spc="-1" strike="noStrike">
+                <a:solidFill>
+                  <a:srgbClr val="000000"/>
+                </a:solidFill>
+                <a:latin typeface="Calibri"/>
+                <a:ea typeface="DejaVu Sans"/>
+              </a:rPr>
+              <a:t>s</a:t>
+            </a:r>
+            <a:r>
+              <a:rPr b="1" lang="en-US" sz="1300" spc="-1" strike="noStrike">
+                <a:solidFill>
+                  <a:srgbClr val="000000"/>
+                </a:solidFill>
+                <a:latin typeface="Calibri"/>
+                <a:ea typeface="DejaVu Sans"/>
+              </a:rPr>
+              <a:t> </a:t>
+            </a:r>
+            <a:r>
+              <a:rPr b="1" lang="en-US" sz="1300" spc="-1" strike="noStrike">
+                <a:solidFill>
+                  <a:srgbClr val="000000"/>
+                </a:solidFill>
+                <a:latin typeface="Calibri"/>
+                <a:ea typeface="DejaVu Sans"/>
+              </a:rPr>
+              <a:t>s</a:t>
+            </a:r>
+            <a:r>
+              <a:rPr b="1" lang="en-US" sz="1300" spc="-1" strike="noStrike">
+                <a:solidFill>
+                  <a:srgbClr val="000000"/>
+                </a:solidFill>
+                <a:latin typeface="Calibri"/>
+                <a:ea typeface="DejaVu Sans"/>
+              </a:rPr>
+              <a:t>o</a:t>
+            </a:r>
+            <a:r>
+              <a:rPr b="1" lang="en-US" sz="1300" spc="-1" strike="noStrike">
+                <a:solidFill>
+                  <a:srgbClr val="000000"/>
+                </a:solidFill>
+                <a:latin typeface="Calibri"/>
+                <a:ea typeface="DejaVu Sans"/>
+              </a:rPr>
+              <a:t> </a:t>
+            </a:r>
+            <a:r>
+              <a:rPr b="1" lang="en-US" sz="1300" spc="-1" strike="noStrike">
+                <a:solidFill>
+                  <a:srgbClr val="000000"/>
+                </a:solidFill>
+                <a:latin typeface="Calibri"/>
+                <a:ea typeface="DejaVu Sans"/>
+              </a:rPr>
+              <a:t>P</a:t>
+            </a:r>
+            <a:r>
+              <a:rPr b="1" lang="en-US" sz="1300" spc="-1" strike="noStrike">
+                <a:solidFill>
+                  <a:srgbClr val="000000"/>
+                </a:solidFill>
+                <a:latin typeface="Calibri"/>
+                <a:ea typeface="DejaVu Sans"/>
+              </a:rPr>
+              <a:t>o</a:t>
+            </a:r>
+            <a:r>
+              <a:rPr b="1" lang="en-US" sz="1300" spc="-1" strike="noStrike">
+                <a:solidFill>
+                  <a:srgbClr val="000000"/>
+                </a:solidFill>
+                <a:latin typeface="Calibri"/>
+                <a:ea typeface="DejaVu Sans"/>
+              </a:rPr>
+              <a:t>p</a:t>
+            </a:r>
+            <a:r>
+              <a:rPr b="1" lang="en-US" sz="1300" spc="-1" strike="noStrike">
+                <a:solidFill>
+                  <a:srgbClr val="000000"/>
+                </a:solidFill>
+                <a:latin typeface="Calibri"/>
+                <a:ea typeface="DejaVu Sans"/>
+              </a:rPr>
+              <a:t>u</a:t>
+            </a:r>
+            <a:r>
+              <a:rPr b="1" lang="en-US" sz="1300" spc="-1" strike="noStrike">
+                <a:solidFill>
+                  <a:srgbClr val="000000"/>
+                </a:solidFill>
+                <a:latin typeface="Calibri"/>
+                <a:ea typeface="DejaVu Sans"/>
+              </a:rPr>
+              <a:t>l</a:t>
+            </a:r>
+            <a:r>
+              <a:rPr b="1" lang="en-US" sz="1300" spc="-1" strike="noStrike">
+                <a:solidFill>
+                  <a:srgbClr val="000000"/>
+                </a:solidFill>
+                <a:latin typeface="Calibri"/>
+                <a:ea typeface="DejaVu Sans"/>
+              </a:rPr>
+              <a:t>a</a:t>
+            </a:r>
+            <a:r>
+              <a:rPr b="1" lang="en-US" sz="1300" spc="-1" strike="noStrike">
+                <a:solidFill>
+                  <a:srgbClr val="000000"/>
+                </a:solidFill>
+                <a:latin typeface="Calibri"/>
+                <a:ea typeface="DejaVu Sans"/>
+              </a:rPr>
+              <a:t>r</a:t>
+            </a:r>
+            <a:r>
+              <a:rPr b="1" lang="en-US" sz="1300" spc="-1" strike="noStrike">
+                <a:solidFill>
+                  <a:srgbClr val="000000"/>
+                </a:solidFill>
+                <a:latin typeface="Calibri"/>
+                <a:ea typeface="DejaVu Sans"/>
+              </a:rPr>
+              <a:t>?</a:t>
+            </a:r>
+            <a:r>
+              <a:rPr b="1" lang="en-US" sz="1300" spc="-1" strike="noStrike">
+                <a:solidFill>
+                  <a:srgbClr val="000000"/>
+                </a:solidFill>
+                <a:latin typeface="Calibri"/>
+                <a:ea typeface="DejaVu Sans"/>
+              </a:rPr>
+              <a:t> </a:t>
+            </a:r>
+            <a:r>
+              <a:rPr b="1" lang="en-US" sz="1300" spc="-1" strike="noStrike">
+                <a:solidFill>
+                  <a:srgbClr val="000000"/>
+                </a:solidFill>
+                <a:latin typeface="Calibri"/>
+                <a:ea typeface="DejaVu Sans"/>
+              </a:rPr>
+              <a:t>(</a:t>
+            </a:r>
+            <a:r>
+              <a:rPr b="1" lang="en-US" sz="1300" spc="-1" strike="noStrike">
+                <a:solidFill>
+                  <a:srgbClr val="000000"/>
+                </a:solidFill>
+                <a:latin typeface="Calibri"/>
+                <a:ea typeface="DejaVu Sans"/>
+              </a:rPr>
+              <a:t>2</a:t>
+            </a:r>
+            <a:r>
+              <a:rPr b="1" lang="en-US" sz="1300" spc="-1" strike="noStrike">
+                <a:solidFill>
+                  <a:srgbClr val="000000"/>
+                </a:solidFill>
+                <a:latin typeface="Calibri"/>
+                <a:ea typeface="DejaVu Sans"/>
+              </a:rPr>
+              <a:t>:</a:t>
+            </a:r>
+            <a:r>
+              <a:rPr b="1" lang="en-US" sz="1300" spc="-1" strike="noStrike">
+                <a:solidFill>
+                  <a:srgbClr val="000000"/>
+                </a:solidFill>
+                <a:latin typeface="Calibri"/>
+                <a:ea typeface="DejaVu Sans"/>
+              </a:rPr>
+              <a:t>0</a:t>
+            </a:r>
+            <a:r>
+              <a:rPr b="1" lang="en-US" sz="1300" spc="-1" strike="noStrike">
+                <a:solidFill>
+                  <a:srgbClr val="000000"/>
+                </a:solidFill>
+                <a:latin typeface="Calibri"/>
+                <a:ea typeface="DejaVu Sans"/>
+              </a:rPr>
+              <a:t>1</a:t>
+            </a:r>
+            <a:r>
+              <a:rPr b="1" lang="en-US" sz="1300" spc="-1" strike="noStrike">
+                <a:solidFill>
+                  <a:srgbClr val="000000"/>
+                </a:solidFill>
+                <a:latin typeface="Calibri"/>
+                <a:ea typeface="DejaVu Sans"/>
+              </a:rPr>
+              <a:t>-</a:t>
+            </a:r>
+            <a:r>
+              <a:rPr b="1" lang="en-US" sz="1300" spc="-1" strike="noStrike">
+                <a:solidFill>
+                  <a:srgbClr val="000000"/>
+                </a:solidFill>
+                <a:latin typeface="Calibri"/>
+                <a:ea typeface="DejaVu Sans"/>
+              </a:rPr>
+              <a:t>2</a:t>
+            </a:r>
+            <a:r>
+              <a:rPr b="1" lang="en-US" sz="1300" spc="-1" strike="noStrike">
+                <a:solidFill>
+                  <a:srgbClr val="000000"/>
+                </a:solidFill>
+                <a:latin typeface="Calibri"/>
+                <a:ea typeface="DejaVu Sans"/>
+              </a:rPr>
+              <a:t>:</a:t>
+            </a:r>
+            <a:r>
+              <a:rPr b="1" lang="en-US" sz="1300" spc="-1" strike="noStrike">
+                <a:solidFill>
+                  <a:srgbClr val="000000"/>
+                </a:solidFill>
+                <a:latin typeface="Calibri"/>
+                <a:ea typeface="DejaVu Sans"/>
+              </a:rPr>
+              <a:t>3</a:t>
+            </a:r>
+            <a:r>
+              <a:rPr b="1" lang="en-US" sz="1300" spc="-1" strike="noStrike">
+                <a:solidFill>
+                  <a:srgbClr val="000000"/>
+                </a:solidFill>
+                <a:latin typeface="Calibri"/>
+                <a:ea typeface="DejaVu Sans"/>
+              </a:rPr>
+              <a:t>0</a:t>
+            </a:r>
+            <a:r>
+              <a:rPr b="1" lang="en-US" sz="1300" spc="-1" strike="noStrike">
+                <a:solidFill>
+                  <a:srgbClr val="000000"/>
+                </a:solidFill>
+                <a:latin typeface="Calibri"/>
+                <a:ea typeface="DejaVu Sans"/>
+              </a:rPr>
+              <a:t>/</a:t>
+            </a:r>
+            <a:r>
+              <a:rPr b="1" lang="en-US" sz="1300" spc="-1" strike="noStrike">
+                <a:solidFill>
+                  <a:srgbClr val="000000"/>
+                </a:solidFill>
+                <a:latin typeface="Calibri"/>
+                <a:ea typeface="DejaVu Sans"/>
+              </a:rPr>
+              <a:t>5</a:t>
+            </a:r>
+            <a:r>
+              <a:rPr b="1" lang="en-US" sz="1300" spc="-1" strike="noStrike">
+                <a:solidFill>
+                  <a:srgbClr val="000000"/>
+                </a:solidFill>
+                <a:latin typeface="Calibri"/>
+                <a:ea typeface="DejaVu Sans"/>
+              </a:rPr>
+              <a:t>:</a:t>
+            </a:r>
+            <a:r>
+              <a:rPr b="1" lang="en-US" sz="1300" spc="-1" strike="noStrike">
+                <a:solidFill>
+                  <a:srgbClr val="000000"/>
+                </a:solidFill>
+                <a:latin typeface="Calibri"/>
+                <a:ea typeface="DejaVu Sans"/>
+              </a:rPr>
+              <a:t>2</a:t>
+            </a:r>
+            <a:r>
+              <a:rPr b="1" lang="en-US" sz="1300" spc="-1" strike="noStrike">
+                <a:solidFill>
+                  <a:srgbClr val="000000"/>
+                </a:solidFill>
+                <a:latin typeface="Calibri"/>
+                <a:ea typeface="DejaVu Sans"/>
+              </a:rPr>
+              <a:t>4</a:t>
+            </a:r>
+            <a:r>
+              <a:rPr b="1" lang="en-US" sz="1300" spc="-1" strike="noStrike">
+                <a:solidFill>
+                  <a:srgbClr val="000000"/>
+                </a:solidFill>
+                <a:latin typeface="Calibri"/>
+                <a:ea typeface="DejaVu Sans"/>
+              </a:rPr>
+              <a:t>)</a:t>
             </a:r>
             <a:endParaRPr b="0" lang="en-US" sz="1300" spc="-1" strike="noStrike">
               <a:latin typeface="Arial"/>
@@ -6866,7 +7138,247 @@
                 <a:latin typeface="Calibri"/>
                 <a:ea typeface="DejaVu Sans"/>
               </a:rPr>
-              <a:t>Google has built TPU (Tensorflow Processor Unit), Meta has Grand Teton Platform, and Tesla K10/M40 based on Nvidia GPU.</a:t>
+              <a:t>2</a:t>
+            </a:r>
+            <a:r>
+              <a:rPr b="0" lang="en-US" sz="1300" spc="-1" strike="noStrike">
+                <a:solidFill>
+                  <a:srgbClr val="000000"/>
+                </a:solidFill>
+                <a:latin typeface="Calibri"/>
+                <a:ea typeface="DejaVu Sans"/>
+              </a:rPr>
+              <a:t>.</a:t>
+            </a:r>
+            <a:r>
+              <a:rPr b="0" lang="en-US" sz="1300" spc="-1" strike="noStrike">
+                <a:solidFill>
+                  <a:srgbClr val="000000"/>
+                </a:solidFill>
+                <a:latin typeface="Calibri"/>
+                <a:ea typeface="DejaVu Sans"/>
+              </a:rPr>
+              <a:t> </a:t>
+            </a:r>
+            <a:r>
+              <a:rPr b="0" lang="en-US" sz="1300" spc="-1" strike="noStrike">
+                <a:solidFill>
+                  <a:srgbClr val="000000"/>
+                </a:solidFill>
+                <a:latin typeface="Calibri"/>
+                <a:ea typeface="DejaVu Sans"/>
+              </a:rPr>
+              <a:t>H</a:t>
+            </a:r>
+            <a:r>
+              <a:rPr b="0" lang="en-US" sz="1300" spc="-1" strike="noStrike">
+                <a:solidFill>
+                  <a:srgbClr val="000000"/>
+                </a:solidFill>
+                <a:latin typeface="Calibri"/>
+                <a:ea typeface="DejaVu Sans"/>
+              </a:rPr>
+              <a:t>a</a:t>
+            </a:r>
+            <a:r>
+              <a:rPr b="0" lang="en-US" sz="1300" spc="-1" strike="noStrike">
+                <a:solidFill>
+                  <a:srgbClr val="000000"/>
+                </a:solidFill>
+                <a:latin typeface="Calibri"/>
+                <a:ea typeface="DejaVu Sans"/>
+              </a:rPr>
+              <a:t>r</a:t>
+            </a:r>
+            <a:r>
+              <a:rPr b="0" lang="en-US" sz="1300" spc="-1" strike="noStrike">
+                <a:solidFill>
+                  <a:srgbClr val="000000"/>
+                </a:solidFill>
+                <a:latin typeface="Calibri"/>
+                <a:ea typeface="DejaVu Sans"/>
+              </a:rPr>
+              <a:t>d</a:t>
+            </a:r>
+            <a:r>
+              <a:rPr b="0" lang="en-US" sz="1300" spc="-1" strike="noStrike">
+                <a:solidFill>
+                  <a:srgbClr val="000000"/>
+                </a:solidFill>
+                <a:latin typeface="Calibri"/>
+                <a:ea typeface="DejaVu Sans"/>
+              </a:rPr>
+              <a:t>w</a:t>
+            </a:r>
+            <a:r>
+              <a:rPr b="0" lang="en-US" sz="1300" spc="-1" strike="noStrike">
+                <a:solidFill>
+                  <a:srgbClr val="000000"/>
+                </a:solidFill>
+                <a:latin typeface="Calibri"/>
+                <a:ea typeface="DejaVu Sans"/>
+              </a:rPr>
+              <a:t>a</a:t>
+            </a:r>
+            <a:r>
+              <a:rPr b="0" lang="en-US" sz="1300" spc="-1" strike="noStrike">
+                <a:solidFill>
+                  <a:srgbClr val="000000"/>
+                </a:solidFill>
+                <a:latin typeface="Calibri"/>
+                <a:ea typeface="DejaVu Sans"/>
+              </a:rPr>
+              <a:t>r</a:t>
+            </a:r>
+            <a:r>
+              <a:rPr b="0" lang="en-US" sz="1300" spc="-1" strike="noStrike">
+                <a:solidFill>
+                  <a:srgbClr val="000000"/>
+                </a:solidFill>
+                <a:latin typeface="Calibri"/>
+                <a:ea typeface="DejaVu Sans"/>
+              </a:rPr>
+              <a:t>e</a:t>
+            </a:r>
+            <a:r>
+              <a:rPr b="0" lang="en-US" sz="1300" spc="-1" strike="noStrike">
+                <a:solidFill>
+                  <a:srgbClr val="000000"/>
+                </a:solidFill>
+                <a:latin typeface="Calibri"/>
+                <a:ea typeface="DejaVu Sans"/>
+              </a:rPr>
+              <a:t> </a:t>
+            </a:r>
+            <a:r>
+              <a:rPr b="0" lang="en-US" sz="1300" spc="-1" strike="noStrike">
+                <a:solidFill>
+                  <a:srgbClr val="000000"/>
+                </a:solidFill>
+                <a:latin typeface="Calibri"/>
+                <a:ea typeface="DejaVu Sans"/>
+              </a:rPr>
+              <a:t>A</a:t>
+            </a:r>
+            <a:r>
+              <a:rPr b="0" lang="en-US" sz="1300" spc="-1" strike="noStrike">
+                <a:solidFill>
+                  <a:srgbClr val="000000"/>
+                </a:solidFill>
+                <a:latin typeface="Calibri"/>
+                <a:ea typeface="DejaVu Sans"/>
+              </a:rPr>
+              <a:t>d</a:t>
+            </a:r>
+            <a:r>
+              <a:rPr b="0" lang="en-US" sz="1300" spc="-1" strike="noStrike">
+                <a:solidFill>
+                  <a:srgbClr val="000000"/>
+                </a:solidFill>
+                <a:latin typeface="Calibri"/>
+                <a:ea typeface="DejaVu Sans"/>
+              </a:rPr>
+              <a:t>v</a:t>
+            </a:r>
+            <a:r>
+              <a:rPr b="0" lang="en-US" sz="1300" spc="-1" strike="noStrike">
+                <a:solidFill>
+                  <a:srgbClr val="000000"/>
+                </a:solidFill>
+                <a:latin typeface="Calibri"/>
+                <a:ea typeface="DejaVu Sans"/>
+              </a:rPr>
+              <a:t>a</a:t>
+            </a:r>
+            <a:r>
+              <a:rPr b="0" lang="en-US" sz="1300" spc="-1" strike="noStrike">
+                <a:solidFill>
+                  <a:srgbClr val="000000"/>
+                </a:solidFill>
+                <a:latin typeface="Calibri"/>
+                <a:ea typeface="DejaVu Sans"/>
+              </a:rPr>
+              <a:t>n</a:t>
+            </a:r>
+            <a:r>
+              <a:rPr b="0" lang="en-US" sz="1300" spc="-1" strike="noStrike">
+                <a:solidFill>
+                  <a:srgbClr val="000000"/>
+                </a:solidFill>
+                <a:latin typeface="Calibri"/>
+                <a:ea typeface="DejaVu Sans"/>
+              </a:rPr>
+              <a:t>c</a:t>
+            </a:r>
+            <a:r>
+              <a:rPr b="0" lang="en-US" sz="1300" spc="-1" strike="noStrike">
+                <a:solidFill>
+                  <a:srgbClr val="000000"/>
+                </a:solidFill>
+                <a:latin typeface="Calibri"/>
+                <a:ea typeface="DejaVu Sans"/>
+              </a:rPr>
+              <a:t>e</a:t>
+            </a:r>
+            <a:r>
+              <a:rPr b="0" lang="en-US" sz="1300" spc="-1" strike="noStrike">
+                <a:solidFill>
+                  <a:srgbClr val="000000"/>
+                </a:solidFill>
+                <a:latin typeface="Calibri"/>
+                <a:ea typeface="DejaVu Sans"/>
+              </a:rPr>
+              <a:t>m</a:t>
+            </a:r>
+            <a:r>
+              <a:rPr b="0" lang="en-US" sz="1300" spc="-1" strike="noStrike">
+                <a:solidFill>
+                  <a:srgbClr val="000000"/>
+                </a:solidFill>
+                <a:latin typeface="Calibri"/>
+                <a:ea typeface="DejaVu Sans"/>
+              </a:rPr>
+              <a:t>e</a:t>
+            </a:r>
+            <a:r>
+              <a:rPr b="0" lang="en-US" sz="1300" spc="-1" strike="noStrike">
+                <a:solidFill>
+                  <a:srgbClr val="000000"/>
+                </a:solidFill>
+                <a:latin typeface="Calibri"/>
+                <a:ea typeface="DejaVu Sans"/>
+              </a:rPr>
+              <a:t>n</a:t>
+            </a:r>
+            <a:r>
+              <a:rPr b="0" lang="en-US" sz="1300" spc="-1" strike="noStrike">
+                <a:solidFill>
+                  <a:srgbClr val="000000"/>
+                </a:solidFill>
+                <a:latin typeface="Calibri"/>
+                <a:ea typeface="DejaVu Sans"/>
+              </a:rPr>
+              <a:t>t</a:t>
+            </a:r>
+            <a:r>
+              <a:rPr b="0" lang="en-US" sz="1300" spc="-1" strike="noStrike">
+                <a:solidFill>
+                  <a:srgbClr val="000000"/>
+                </a:solidFill>
+                <a:latin typeface="Calibri"/>
+                <a:ea typeface="DejaVu Sans"/>
+              </a:rPr>
+              <a:t>:</a:t>
+            </a:r>
+            <a:r>
+              <a:rPr b="0" lang="en-US" sz="1300" spc="-1" strike="noStrike">
+                <a:solidFill>
+                  <a:srgbClr val="000000"/>
+                </a:solidFill>
+                <a:latin typeface="Calibri"/>
+                <a:ea typeface="DejaVu Sans"/>
+              </a:rPr>
+              <a:t> </a:t>
             </a:r>
             <a:endParaRPr b="0" lang="en-US" sz="1300" spc="-1" strike="noStrike">
               <a:latin typeface="Arial"/>
@@ -6894,7 +7406,1167 @@
                 <a:latin typeface="Calibri"/>
                 <a:ea typeface="DejaVu Sans"/>
               </a:rPr>
-              <a:t>You can run job with them on computer or cloud.</a:t>
+              <a:t>2</a:t>
+            </a:r>
+            <a:r>
+              <a:rPr b="0" lang="en-US" sz="1300" spc="-1" strike="noStrike">
+                <a:solidFill>
+                  <a:srgbClr val="000000"/>
+                </a:solidFill>
+                <a:latin typeface="Calibri"/>
+                <a:ea typeface="DejaVu Sans"/>
+              </a:rPr>
+              <a:t>.</a:t>
+            </a:r>
+            <a:r>
+              <a:rPr b="0" lang="en-US" sz="1300" spc="-1" strike="noStrike">
+                <a:solidFill>
+                  <a:srgbClr val="000000"/>
+                </a:solidFill>
+                <a:latin typeface="Calibri"/>
+                <a:ea typeface="DejaVu Sans"/>
+              </a:rPr>
+              <a:t>1</a:t>
+            </a:r>
+            <a:r>
+              <a:rPr b="0" lang="en-US" sz="1300" spc="-1" strike="noStrike">
+                <a:solidFill>
+                  <a:srgbClr val="000000"/>
+                </a:solidFill>
+                <a:latin typeface="Calibri"/>
+                <a:ea typeface="DejaVu Sans"/>
+              </a:rPr>
+              <a:t> </a:t>
+            </a:r>
+            <a:r>
+              <a:rPr b="0" lang="en-US" sz="1300" spc="-1" strike="noStrike">
+                <a:solidFill>
+                  <a:srgbClr val="000000"/>
+                </a:solidFill>
+                <a:latin typeface="Calibri"/>
+                <a:ea typeface="DejaVu Sans"/>
+              </a:rPr>
+              <a:t>T</a:t>
+            </a:r>
+            <a:r>
+              <a:rPr b="0" lang="en-US" sz="1300" spc="-1" strike="noStrike">
+                <a:solidFill>
+                  <a:srgbClr val="000000"/>
+                </a:solidFill>
+                <a:latin typeface="Calibri"/>
+                <a:ea typeface="DejaVu Sans"/>
+              </a:rPr>
+              <a:t>h</a:t>
+            </a:r>
+            <a:r>
+              <a:rPr b="0" lang="en-US" sz="1300" spc="-1" strike="noStrike">
+                <a:solidFill>
+                  <a:srgbClr val="000000"/>
+                </a:solidFill>
+                <a:latin typeface="Calibri"/>
+                <a:ea typeface="DejaVu Sans"/>
+              </a:rPr>
+              <a:t>e</a:t>
+            </a:r>
+            <a:r>
+              <a:rPr b="0" lang="en-US" sz="1300" spc="-1" strike="noStrike">
+                <a:solidFill>
+                  <a:srgbClr val="000000"/>
+                </a:solidFill>
+                <a:latin typeface="Calibri"/>
+                <a:ea typeface="DejaVu Sans"/>
+              </a:rPr>
+              <a:t> </a:t>
+            </a:r>
+            <a:r>
+              <a:rPr b="0" lang="en-US" sz="1300" spc="-1" strike="noStrike">
+                <a:solidFill>
+                  <a:srgbClr val="000000"/>
+                </a:solidFill>
+                <a:latin typeface="Calibri"/>
+                <a:ea typeface="DejaVu Sans"/>
+              </a:rPr>
+              <a:t>c</a:t>
+            </a:r>
+            <a:r>
+              <a:rPr b="0" lang="en-US" sz="1300" spc="-1" strike="noStrike">
+                <a:solidFill>
+                  <a:srgbClr val="000000"/>
+                </a:solidFill>
+                <a:latin typeface="Calibri"/>
+                <a:ea typeface="DejaVu Sans"/>
+              </a:rPr>
+              <a:t>o</a:t>
+            </a:r>
+            <a:r>
+              <a:rPr b="0" lang="en-US" sz="1300" spc="-1" strike="noStrike">
+                <a:solidFill>
+                  <a:srgbClr val="000000"/>
+                </a:solidFill>
+                <a:latin typeface="Calibri"/>
+                <a:ea typeface="DejaVu Sans"/>
+              </a:rPr>
+              <a:t>m</a:t>
+            </a:r>
+            <a:r>
+              <a:rPr b="0" lang="en-US" sz="1300" spc="-1" strike="noStrike">
+                <a:solidFill>
+                  <a:srgbClr val="000000"/>
+                </a:solidFill>
+                <a:latin typeface="Calibri"/>
+                <a:ea typeface="DejaVu Sans"/>
+              </a:rPr>
+              <a:t>p</a:t>
+            </a:r>
+            <a:r>
+              <a:rPr b="0" lang="en-US" sz="1300" spc="-1" strike="noStrike">
+                <a:solidFill>
+                  <a:srgbClr val="000000"/>
+                </a:solidFill>
+                <a:latin typeface="Calibri"/>
+                <a:ea typeface="DejaVu Sans"/>
+              </a:rPr>
+              <a:t>u</a:t>
+            </a:r>
+            <a:r>
+              <a:rPr b="0" lang="en-US" sz="1300" spc="-1" strike="noStrike">
+                <a:solidFill>
+                  <a:srgbClr val="000000"/>
+                </a:solidFill>
+                <a:latin typeface="Calibri"/>
+                <a:ea typeface="DejaVu Sans"/>
+              </a:rPr>
+              <a:t>t</a:t>
+            </a:r>
+            <a:r>
+              <a:rPr b="0" lang="en-US" sz="1300" spc="-1" strike="noStrike">
+                <a:solidFill>
+                  <a:srgbClr val="000000"/>
+                </a:solidFill>
+                <a:latin typeface="Calibri"/>
+                <a:ea typeface="DejaVu Sans"/>
+              </a:rPr>
+              <a:t>e</a:t>
+            </a:r>
+            <a:r>
+              <a:rPr b="0" lang="en-US" sz="1300" spc="-1" strike="noStrike">
+                <a:solidFill>
+                  <a:srgbClr val="000000"/>
+                </a:solidFill>
+                <a:latin typeface="Calibri"/>
+                <a:ea typeface="DejaVu Sans"/>
+              </a:rPr>
+              <a:t>r</a:t>
+            </a:r>
+            <a:r>
+              <a:rPr b="0" lang="en-US" sz="1300" spc="-1" strike="noStrike">
+                <a:solidFill>
+                  <a:srgbClr val="000000"/>
+                </a:solidFill>
+                <a:latin typeface="Calibri"/>
+                <a:ea typeface="DejaVu Sans"/>
+              </a:rPr>
+              <a:t> </a:t>
+            </a:r>
+            <a:r>
+              <a:rPr b="0" lang="en-US" sz="1300" spc="-1" strike="noStrike">
+                <a:solidFill>
+                  <a:srgbClr val="000000"/>
+                </a:solidFill>
+                <a:latin typeface="Calibri"/>
+                <a:ea typeface="DejaVu Sans"/>
+              </a:rPr>
+              <a:t>(</a:t>
+            </a:r>
+            <a:r>
+              <a:rPr b="0" lang="en-US" sz="1300" spc="-1" strike="noStrike">
+                <a:solidFill>
+                  <a:srgbClr val="000000"/>
+                </a:solidFill>
+                <a:latin typeface="Calibri"/>
+                <a:ea typeface="DejaVu Sans"/>
+              </a:rPr>
+              <a:t>N</a:t>
+            </a:r>
+            <a:r>
+              <a:rPr b="0" lang="en-US" sz="1300" spc="-1" strike="noStrike">
+                <a:solidFill>
+                  <a:srgbClr val="000000"/>
+                </a:solidFill>
+                <a:latin typeface="Calibri"/>
+                <a:ea typeface="DejaVu Sans"/>
+              </a:rPr>
+              <a:t>o</a:t>
+            </a:r>
+            <a:r>
+              <a:rPr b="0" lang="en-US" sz="1300" spc="-1" strike="noStrike">
+                <a:solidFill>
+                  <a:srgbClr val="000000"/>
+                </a:solidFill>
+                <a:latin typeface="Calibri"/>
+                <a:ea typeface="DejaVu Sans"/>
+              </a:rPr>
+              <a:t>r</a:t>
+            </a:r>
+            <a:r>
+              <a:rPr b="0" lang="en-US" sz="1300" spc="-1" strike="noStrike">
+                <a:solidFill>
+                  <a:srgbClr val="000000"/>
+                </a:solidFill>
+                <a:latin typeface="Calibri"/>
+                <a:ea typeface="DejaVu Sans"/>
+              </a:rPr>
+              <a:t>t</a:t>
+            </a:r>
+            <a:r>
+              <a:rPr b="0" lang="en-US" sz="1300" spc="-1" strike="noStrike">
+                <a:solidFill>
+                  <a:srgbClr val="000000"/>
+                </a:solidFill>
+                <a:latin typeface="Calibri"/>
+                <a:ea typeface="DejaVu Sans"/>
+              </a:rPr>
+              <a:t>h</a:t>
+            </a:r>
+            <a:r>
+              <a:rPr b="0" lang="en-US" sz="1300" spc="-1" strike="noStrike">
+                <a:solidFill>
+                  <a:srgbClr val="000000"/>
+                </a:solidFill>
+                <a:latin typeface="Calibri"/>
+                <a:ea typeface="DejaVu Sans"/>
+              </a:rPr>
+              <a:t> </a:t>
+            </a:r>
+            <a:r>
+              <a:rPr b="0" lang="en-US" sz="1300" spc="-1" strike="noStrike">
+                <a:solidFill>
+                  <a:srgbClr val="000000"/>
+                </a:solidFill>
+                <a:latin typeface="Calibri"/>
+                <a:ea typeface="DejaVu Sans"/>
+              </a:rPr>
+              <a:t>B</a:t>
+            </a:r>
+            <a:r>
+              <a:rPr b="0" lang="en-US" sz="1300" spc="-1" strike="noStrike">
+                <a:solidFill>
+                  <a:srgbClr val="000000"/>
+                </a:solidFill>
+                <a:latin typeface="Calibri"/>
+                <a:ea typeface="DejaVu Sans"/>
+              </a:rPr>
+              <a:t>r</a:t>
+            </a:r>
+            <a:r>
+              <a:rPr b="0" lang="en-US" sz="1300" spc="-1" strike="noStrike">
+                <a:solidFill>
+                  <a:srgbClr val="000000"/>
+                </a:solidFill>
+                <a:latin typeface="Calibri"/>
+                <a:ea typeface="DejaVu Sans"/>
+              </a:rPr>
+              <a:t>i</a:t>
+            </a:r>
+            <a:r>
+              <a:rPr b="0" lang="en-US" sz="1300" spc="-1" strike="noStrike">
+                <a:solidFill>
+                  <a:srgbClr val="000000"/>
+                </a:solidFill>
+                <a:latin typeface="Calibri"/>
+                <a:ea typeface="DejaVu Sans"/>
+              </a:rPr>
+              <a:t>d</a:t>
+            </a:r>
+            <a:r>
+              <a:rPr b="0" lang="en-US" sz="1300" spc="-1" strike="noStrike">
+                <a:solidFill>
+                  <a:srgbClr val="000000"/>
+                </a:solidFill>
+                <a:latin typeface="Calibri"/>
+                <a:ea typeface="DejaVu Sans"/>
+              </a:rPr>
+              <a:t>g</a:t>
+            </a:r>
+            <a:r>
+              <a:rPr b="0" lang="en-US" sz="1300" spc="-1" strike="noStrike">
+                <a:solidFill>
+                  <a:srgbClr val="000000"/>
+                </a:solidFill>
+                <a:latin typeface="Calibri"/>
+                <a:ea typeface="DejaVu Sans"/>
+              </a:rPr>
+              <a:t>e</a:t>
+            </a:r>
+            <a:r>
+              <a:rPr b="0" lang="en-US" sz="1300" spc="-1" strike="noStrike">
+                <a:solidFill>
+                  <a:srgbClr val="000000"/>
+                </a:solidFill>
+                <a:latin typeface="Calibri"/>
+                <a:ea typeface="DejaVu Sans"/>
+              </a:rPr>
+              <a:t> </a:t>
+            </a:r>
+            <a:r>
+              <a:rPr b="0" lang="en-US" sz="1300" spc="-1" strike="noStrike">
+                <a:solidFill>
+                  <a:srgbClr val="000000"/>
+                </a:solidFill>
+                <a:latin typeface="Calibri"/>
+                <a:ea typeface="DejaVu Sans"/>
+              </a:rPr>
+              <a:t>s</a:t>
+            </a:r>
+            <a:r>
+              <a:rPr b="0" lang="en-US" sz="1300" spc="-1" strike="noStrike">
+                <a:solidFill>
+                  <a:srgbClr val="000000"/>
+                </a:solidFill>
+                <a:latin typeface="Calibri"/>
+                <a:ea typeface="DejaVu Sans"/>
+              </a:rPr>
+              <a:t>y</a:t>
+            </a:r>
+            <a:r>
+              <a:rPr b="0" lang="en-US" sz="1300" spc="-1" strike="noStrike">
+                <a:solidFill>
+                  <a:srgbClr val="000000"/>
+                </a:solidFill>
+                <a:latin typeface="Calibri"/>
+                <a:ea typeface="DejaVu Sans"/>
+              </a:rPr>
+              <a:t>s</a:t>
+            </a:r>
+            <a:r>
+              <a:rPr b="0" lang="en-US" sz="1300" spc="-1" strike="noStrike">
+                <a:solidFill>
+                  <a:srgbClr val="000000"/>
+                </a:solidFill>
+                <a:latin typeface="Calibri"/>
+                <a:ea typeface="DejaVu Sans"/>
+              </a:rPr>
+              <a:t>t</a:t>
+            </a:r>
+            <a:r>
+              <a:rPr b="0" lang="en-US" sz="1300" spc="-1" strike="noStrike">
+                <a:solidFill>
+                  <a:srgbClr val="000000"/>
+                </a:solidFill>
+                <a:latin typeface="Calibri"/>
+                <a:ea typeface="DejaVu Sans"/>
+              </a:rPr>
+              <a:t>e</a:t>
+            </a:r>
+            <a:r>
+              <a:rPr b="0" lang="en-US" sz="1300" spc="-1" strike="noStrike">
+                <a:solidFill>
+                  <a:srgbClr val="000000"/>
+                </a:solidFill>
+                <a:latin typeface="Calibri"/>
+                <a:ea typeface="DejaVu Sans"/>
+              </a:rPr>
+              <a:t>m</a:t>
+            </a:r>
+            <a:r>
+              <a:rPr b="0" lang="en-US" sz="1300" spc="-1" strike="noStrike">
+                <a:solidFill>
+                  <a:srgbClr val="000000"/>
+                </a:solidFill>
+                <a:latin typeface="Calibri"/>
+                <a:ea typeface="DejaVu Sans"/>
+              </a:rPr>
+              <a:t>)</a:t>
+            </a:r>
+            <a:r>
+              <a:rPr b="0" lang="en-US" sz="1300" spc="-1" strike="noStrike">
+                <a:solidFill>
+                  <a:srgbClr val="000000"/>
+                </a:solidFill>
+                <a:latin typeface="Calibri"/>
+                <a:ea typeface="DejaVu Sans"/>
+              </a:rPr>
+              <a:t> </a:t>
+            </a:r>
+            <a:r>
+              <a:rPr b="0" lang="en-US" sz="1300" spc="-1" strike="noStrike">
+                <a:solidFill>
+                  <a:srgbClr val="000000"/>
+                </a:solidFill>
+                <a:latin typeface="Calibri"/>
+                <a:ea typeface="DejaVu Sans"/>
+              </a:rPr>
+              <a:t>w</a:t>
+            </a:r>
+            <a:r>
+              <a:rPr b="0" lang="en-US" sz="1300" spc="-1" strike="noStrike">
+                <a:solidFill>
+                  <a:srgbClr val="000000"/>
+                </a:solidFill>
+                <a:latin typeface="Calibri"/>
+                <a:ea typeface="DejaVu Sans"/>
+              </a:rPr>
+              <a:t>i</a:t>
+            </a:r>
+            <a:r>
+              <a:rPr b="0" lang="en-US" sz="1300" spc="-1" strike="noStrike">
+                <a:solidFill>
+                  <a:srgbClr val="000000"/>
+                </a:solidFill>
+                <a:latin typeface="Calibri"/>
+                <a:ea typeface="DejaVu Sans"/>
+              </a:rPr>
+              <a:t>t</a:t>
+            </a:r>
+            <a:r>
+              <a:rPr b="0" lang="en-US" sz="1300" spc="-1" strike="noStrike">
+                <a:solidFill>
+                  <a:srgbClr val="000000"/>
+                </a:solidFill>
+                <a:latin typeface="Calibri"/>
+                <a:ea typeface="DejaVu Sans"/>
+              </a:rPr>
+              <a:t>h</a:t>
+            </a:r>
+            <a:r>
+              <a:rPr b="0" lang="en-US" sz="1300" spc="-1" strike="noStrike">
+                <a:solidFill>
+                  <a:srgbClr val="000000"/>
+                </a:solidFill>
+                <a:latin typeface="Calibri"/>
+                <a:ea typeface="DejaVu Sans"/>
+              </a:rPr>
+              <a:t> </a:t>
+            </a:r>
+            <a:r>
+              <a:rPr b="0" lang="en-US" sz="1300" spc="-1" strike="noStrike">
+                <a:solidFill>
+                  <a:srgbClr val="000000"/>
+                </a:solidFill>
+                <a:latin typeface="Calibri"/>
+                <a:ea typeface="DejaVu Sans"/>
+              </a:rPr>
+              <a:t>s</a:t>
+            </a:r>
+            <a:r>
+              <a:rPr b="0" lang="en-US" sz="1300" spc="-1" strike="noStrike">
+                <a:solidFill>
+                  <a:srgbClr val="000000"/>
+                </a:solidFill>
+                <a:latin typeface="Calibri"/>
+                <a:ea typeface="DejaVu Sans"/>
+              </a:rPr>
+              <a:t>y</a:t>
+            </a:r>
+            <a:r>
+              <a:rPr b="0" lang="en-US" sz="1300" spc="-1" strike="noStrike">
+                <a:solidFill>
+                  <a:srgbClr val="000000"/>
+                </a:solidFill>
+                <a:latin typeface="Calibri"/>
+                <a:ea typeface="DejaVu Sans"/>
+              </a:rPr>
+              <a:t>s</a:t>
+            </a:r>
+            <a:r>
+              <a:rPr b="0" lang="en-US" sz="1300" spc="-1" strike="noStrike">
+                <a:solidFill>
+                  <a:srgbClr val="000000"/>
+                </a:solidFill>
+                <a:latin typeface="Calibri"/>
+                <a:ea typeface="DejaVu Sans"/>
+              </a:rPr>
+              <a:t>t</a:t>
+            </a:r>
+            <a:r>
+              <a:rPr b="0" lang="en-US" sz="1300" spc="-1" strike="noStrike">
+                <a:solidFill>
+                  <a:srgbClr val="000000"/>
+                </a:solidFill>
+                <a:latin typeface="Calibri"/>
+                <a:ea typeface="DejaVu Sans"/>
+              </a:rPr>
+              <a:t>e</a:t>
+            </a:r>
+            <a:r>
+              <a:rPr b="0" lang="en-US" sz="1300" spc="-1" strike="noStrike">
+                <a:solidFill>
+                  <a:srgbClr val="000000"/>
+                </a:solidFill>
+                <a:latin typeface="Calibri"/>
+                <a:ea typeface="DejaVu Sans"/>
+              </a:rPr>
+              <a:t>m</a:t>
+            </a:r>
+            <a:r>
+              <a:rPr b="0" lang="en-US" sz="1300" spc="-1" strike="noStrike">
+                <a:solidFill>
+                  <a:srgbClr val="000000"/>
+                </a:solidFill>
+                <a:latin typeface="Calibri"/>
+                <a:ea typeface="DejaVu Sans"/>
+              </a:rPr>
+              <a:t> </a:t>
+            </a:r>
+            <a:r>
+              <a:rPr b="0" lang="en-US" sz="1300" spc="-1" strike="noStrike">
+                <a:solidFill>
+                  <a:srgbClr val="000000"/>
+                </a:solidFill>
+                <a:latin typeface="Calibri"/>
+                <a:ea typeface="DejaVu Sans"/>
+              </a:rPr>
+              <a:t>s</a:t>
+            </a:r>
+            <a:r>
+              <a:rPr b="0" lang="en-US" sz="1300" spc="-1" strike="noStrike">
+                <a:solidFill>
+                  <a:srgbClr val="000000"/>
+                </a:solidFill>
+                <a:latin typeface="Calibri"/>
+                <a:ea typeface="DejaVu Sans"/>
+              </a:rPr>
+              <a:t>p</a:t>
+            </a:r>
+            <a:r>
+              <a:rPr b="0" lang="en-US" sz="1300" spc="-1" strike="noStrike">
+                <a:solidFill>
+                  <a:srgbClr val="000000"/>
+                </a:solidFill>
+                <a:latin typeface="Calibri"/>
+                <a:ea typeface="DejaVu Sans"/>
+              </a:rPr>
+              <a:t>e</a:t>
+            </a:r>
+            <a:r>
+              <a:rPr b="0" lang="en-US" sz="1300" spc="-1" strike="noStrike">
+                <a:solidFill>
+                  <a:srgbClr val="000000"/>
+                </a:solidFill>
+                <a:latin typeface="Calibri"/>
+                <a:ea typeface="DejaVu Sans"/>
+              </a:rPr>
+              <a:t>e</a:t>
+            </a:r>
+            <a:r>
+              <a:rPr b="0" lang="en-US" sz="1300" spc="-1" strike="noStrike">
+                <a:solidFill>
+                  <a:srgbClr val="000000"/>
+                </a:solidFill>
+                <a:latin typeface="Calibri"/>
+                <a:ea typeface="DejaVu Sans"/>
+              </a:rPr>
+              <a:t>d</a:t>
+            </a:r>
+            <a:r>
+              <a:rPr b="0" lang="en-US" sz="1300" spc="-1" strike="noStrike">
+                <a:solidFill>
+                  <a:srgbClr val="000000"/>
+                </a:solidFill>
+                <a:latin typeface="Calibri"/>
+                <a:ea typeface="DejaVu Sans"/>
+              </a:rPr>
+              <a:t> </a:t>
+            </a:r>
+            <a:r>
+              <a:rPr b="0" lang="en-US" sz="1300" spc="-1" strike="noStrike">
+                <a:solidFill>
+                  <a:srgbClr val="000000"/>
+                </a:solidFill>
+                <a:latin typeface="Calibri"/>
+                <a:ea typeface="DejaVu Sans"/>
+              </a:rPr>
+              <a:t>a</a:t>
+            </a:r>
+            <a:r>
+              <a:rPr b="0" lang="en-US" sz="1300" spc="-1" strike="noStrike">
+                <a:solidFill>
+                  <a:srgbClr val="000000"/>
+                </a:solidFill>
+                <a:latin typeface="Calibri"/>
+                <a:ea typeface="DejaVu Sans"/>
+              </a:rPr>
+              <a:t>n</a:t>
+            </a:r>
+            <a:r>
+              <a:rPr b="0" lang="en-US" sz="1300" spc="-1" strike="noStrike">
+                <a:solidFill>
+                  <a:srgbClr val="000000"/>
+                </a:solidFill>
+                <a:latin typeface="Calibri"/>
+                <a:ea typeface="DejaVu Sans"/>
+              </a:rPr>
+              <a:t>d</a:t>
+            </a:r>
+            <a:r>
+              <a:rPr b="0" lang="en-US" sz="1300" spc="-1" strike="noStrike">
+                <a:solidFill>
+                  <a:srgbClr val="000000"/>
+                </a:solidFill>
+                <a:latin typeface="Calibri"/>
+                <a:ea typeface="DejaVu Sans"/>
+              </a:rPr>
+              <a:t> </a:t>
+            </a:r>
+            <a:r>
+              <a:rPr b="0" lang="en-US" sz="1300" spc="-1" strike="noStrike">
+                <a:solidFill>
+                  <a:srgbClr val="000000"/>
+                </a:solidFill>
+                <a:latin typeface="Calibri"/>
+                <a:ea typeface="DejaVu Sans"/>
+              </a:rPr>
+              <a:t>m</a:t>
+            </a:r>
+            <a:r>
+              <a:rPr b="0" lang="en-US" sz="1300" spc="-1" strike="noStrike">
+                <a:solidFill>
+                  <a:srgbClr val="000000"/>
+                </a:solidFill>
+                <a:latin typeface="Calibri"/>
+                <a:ea typeface="DejaVu Sans"/>
+              </a:rPr>
+              <a:t>e</a:t>
+            </a:r>
+            <a:r>
+              <a:rPr b="0" lang="en-US" sz="1300" spc="-1" strike="noStrike">
+                <a:solidFill>
+                  <a:srgbClr val="000000"/>
+                </a:solidFill>
+                <a:latin typeface="Calibri"/>
+                <a:ea typeface="DejaVu Sans"/>
+              </a:rPr>
+              <a:t>m</a:t>
+            </a:r>
+            <a:r>
+              <a:rPr b="0" lang="en-US" sz="1300" spc="-1" strike="noStrike">
+                <a:solidFill>
+                  <a:srgbClr val="000000"/>
+                </a:solidFill>
+                <a:latin typeface="Calibri"/>
+                <a:ea typeface="DejaVu Sans"/>
+              </a:rPr>
+              <a:t>o</a:t>
+            </a:r>
+            <a:r>
+              <a:rPr b="0" lang="en-US" sz="1300" spc="-1" strike="noStrike">
+                <a:solidFill>
+                  <a:srgbClr val="000000"/>
+                </a:solidFill>
+                <a:latin typeface="Calibri"/>
+                <a:ea typeface="DejaVu Sans"/>
+              </a:rPr>
+              <a:t>r</a:t>
+            </a:r>
+            <a:r>
+              <a:rPr b="0" lang="en-US" sz="1300" spc="-1" strike="noStrike">
+                <a:solidFill>
+                  <a:srgbClr val="000000"/>
+                </a:solidFill>
+                <a:latin typeface="Calibri"/>
+                <a:ea typeface="DejaVu Sans"/>
+              </a:rPr>
+              <a:t>y</a:t>
+            </a:r>
+            <a:r>
+              <a:rPr b="0" lang="en-US" sz="1300" spc="-1" strike="noStrike">
+                <a:solidFill>
+                  <a:srgbClr val="000000"/>
+                </a:solidFill>
+                <a:latin typeface="Calibri"/>
+                <a:ea typeface="DejaVu Sans"/>
+              </a:rPr>
+              <a:t> </a:t>
+            </a:r>
+            <a:r>
+              <a:rPr b="0" lang="en-US" sz="1300" spc="-1" strike="noStrike">
+                <a:solidFill>
+                  <a:srgbClr val="000000"/>
+                </a:solidFill>
+                <a:latin typeface="Calibri"/>
+                <a:ea typeface="DejaVu Sans"/>
+              </a:rPr>
+              <a:t>c</a:t>
+            </a:r>
+            <a:r>
+              <a:rPr b="0" lang="en-US" sz="1300" spc="-1" strike="noStrike">
+                <a:solidFill>
+                  <a:srgbClr val="000000"/>
+                </a:solidFill>
+                <a:latin typeface="Calibri"/>
+                <a:ea typeface="DejaVu Sans"/>
+              </a:rPr>
+              <a:t>a</a:t>
+            </a:r>
+            <a:r>
+              <a:rPr b="0" lang="en-US" sz="1300" spc="-1" strike="noStrike">
+                <a:solidFill>
+                  <a:srgbClr val="000000"/>
+                </a:solidFill>
+                <a:latin typeface="Calibri"/>
+                <a:ea typeface="DejaVu Sans"/>
+              </a:rPr>
+              <a:t>p</a:t>
+            </a:r>
+            <a:r>
+              <a:rPr b="0" lang="en-US" sz="1300" spc="-1" strike="noStrike">
+                <a:solidFill>
+                  <a:srgbClr val="000000"/>
+                </a:solidFill>
+                <a:latin typeface="Calibri"/>
+                <a:ea typeface="DejaVu Sans"/>
+              </a:rPr>
+              <a:t>a</a:t>
+            </a:r>
+            <a:r>
+              <a:rPr b="0" lang="en-US" sz="1300" spc="-1" strike="noStrike">
+                <a:solidFill>
+                  <a:srgbClr val="000000"/>
+                </a:solidFill>
+                <a:latin typeface="Calibri"/>
+                <a:ea typeface="DejaVu Sans"/>
+              </a:rPr>
+              <a:t>c</a:t>
+            </a:r>
+            <a:r>
+              <a:rPr b="0" lang="en-US" sz="1300" spc="-1" strike="noStrike">
+                <a:solidFill>
+                  <a:srgbClr val="000000"/>
+                </a:solidFill>
+                <a:latin typeface="Calibri"/>
+                <a:ea typeface="DejaVu Sans"/>
+              </a:rPr>
+              <a:t>i</a:t>
+            </a:r>
+            <a:r>
+              <a:rPr b="0" lang="en-US" sz="1300" spc="-1" strike="noStrike">
+                <a:solidFill>
+                  <a:srgbClr val="000000"/>
+                </a:solidFill>
+                <a:latin typeface="Calibri"/>
+                <a:ea typeface="DejaVu Sans"/>
+              </a:rPr>
+              <a:t>t</a:t>
+            </a:r>
+            <a:r>
+              <a:rPr b="0" lang="en-US" sz="1300" spc="-1" strike="noStrike">
+                <a:solidFill>
+                  <a:srgbClr val="000000"/>
+                </a:solidFill>
+                <a:latin typeface="Calibri"/>
+                <a:ea typeface="DejaVu Sans"/>
+              </a:rPr>
+              <a:t>y</a:t>
+            </a:r>
+            <a:r>
+              <a:rPr b="0" lang="en-US" sz="1300" spc="-1" strike="noStrike">
+                <a:solidFill>
+                  <a:srgbClr val="000000"/>
+                </a:solidFill>
+                <a:latin typeface="Calibri"/>
+                <a:ea typeface="DejaVu Sans"/>
+              </a:rPr>
+              <a:t> </a:t>
+            </a:r>
+            <a:r>
+              <a:rPr b="0" lang="en-US" sz="1300" spc="-1" strike="noStrike">
+                <a:solidFill>
+                  <a:srgbClr val="000000"/>
+                </a:solidFill>
+                <a:latin typeface="Calibri"/>
+                <a:ea typeface="DejaVu Sans"/>
+              </a:rPr>
+              <a:t>i</a:t>
+            </a:r>
+            <a:r>
+              <a:rPr b="0" lang="en-US" sz="1300" spc="-1" strike="noStrike">
+                <a:solidFill>
+                  <a:srgbClr val="000000"/>
+                </a:solidFill>
+                <a:latin typeface="Calibri"/>
+                <a:ea typeface="DejaVu Sans"/>
+              </a:rPr>
+              <a:t>m</a:t>
+            </a:r>
+            <a:r>
+              <a:rPr b="0" lang="en-US" sz="1300" spc="-1" strike="noStrike">
+                <a:solidFill>
+                  <a:srgbClr val="000000"/>
+                </a:solidFill>
+                <a:latin typeface="Calibri"/>
+                <a:ea typeface="DejaVu Sans"/>
+              </a:rPr>
+              <a:t>p</a:t>
+            </a:r>
+            <a:r>
+              <a:rPr b="0" lang="en-US" sz="1300" spc="-1" strike="noStrike">
+                <a:solidFill>
+                  <a:srgbClr val="000000"/>
+                </a:solidFill>
+                <a:latin typeface="Calibri"/>
+                <a:ea typeface="DejaVu Sans"/>
+              </a:rPr>
+              <a:t>r</a:t>
+            </a:r>
+            <a:r>
+              <a:rPr b="0" lang="en-US" sz="1300" spc="-1" strike="noStrike">
+                <a:solidFill>
+                  <a:srgbClr val="000000"/>
+                </a:solidFill>
+                <a:latin typeface="Calibri"/>
+                <a:ea typeface="DejaVu Sans"/>
+              </a:rPr>
+              <a:t>o</a:t>
+            </a:r>
+            <a:r>
+              <a:rPr b="0" lang="en-US" sz="1300" spc="-1" strike="noStrike">
+                <a:solidFill>
+                  <a:srgbClr val="000000"/>
+                </a:solidFill>
+                <a:latin typeface="Calibri"/>
+                <a:ea typeface="DejaVu Sans"/>
+              </a:rPr>
+              <a:t>v</a:t>
+            </a:r>
+            <a:r>
+              <a:rPr b="0" lang="en-US" sz="1300" spc="-1" strike="noStrike">
+                <a:solidFill>
+                  <a:srgbClr val="000000"/>
+                </a:solidFill>
+                <a:latin typeface="Calibri"/>
+                <a:ea typeface="DejaVu Sans"/>
+              </a:rPr>
+              <a:t>e</a:t>
+            </a:r>
+            <a:r>
+              <a:rPr b="0" lang="en-US" sz="1300" spc="-1" strike="noStrike">
+                <a:solidFill>
+                  <a:srgbClr val="000000"/>
+                </a:solidFill>
+                <a:latin typeface="Calibri"/>
+                <a:ea typeface="DejaVu Sans"/>
+              </a:rPr>
+              <a:t>m</a:t>
+            </a:r>
+            <a:r>
+              <a:rPr b="0" lang="en-US" sz="1300" spc="-1" strike="noStrike">
+                <a:solidFill>
+                  <a:srgbClr val="000000"/>
+                </a:solidFill>
+                <a:latin typeface="Calibri"/>
+                <a:ea typeface="DejaVu Sans"/>
+              </a:rPr>
+              <a:t>e</a:t>
+            </a:r>
+            <a:r>
+              <a:rPr b="0" lang="en-US" sz="1300" spc="-1" strike="noStrike">
+                <a:solidFill>
+                  <a:srgbClr val="000000"/>
+                </a:solidFill>
+                <a:latin typeface="Calibri"/>
+                <a:ea typeface="DejaVu Sans"/>
+              </a:rPr>
+              <a:t>n</a:t>
+            </a:r>
+            <a:r>
+              <a:rPr b="0" lang="en-US" sz="1300" spc="-1" strike="noStrike">
+                <a:solidFill>
+                  <a:srgbClr val="000000"/>
+                </a:solidFill>
+                <a:latin typeface="Calibri"/>
+                <a:ea typeface="DejaVu Sans"/>
+              </a:rPr>
+              <a:t>t</a:t>
+            </a:r>
+            <a:r>
+              <a:rPr b="0" lang="en-US" sz="1300" spc="-1" strike="noStrike">
+                <a:solidFill>
+                  <a:srgbClr val="000000"/>
+                </a:solidFill>
+                <a:latin typeface="Calibri"/>
+                <a:ea typeface="DejaVu Sans"/>
+              </a:rPr>
+              <a:t> </a:t>
+            </a:r>
+            <a:r>
+              <a:rPr b="0" lang="en-US" sz="1300" spc="-1" strike="noStrike">
+                <a:solidFill>
+                  <a:srgbClr val="000000"/>
+                </a:solidFill>
+                <a:latin typeface="Calibri"/>
+                <a:ea typeface="DejaVu Sans"/>
+              </a:rPr>
+              <a:t>(</a:t>
+            </a:r>
+            <a:r>
+              <a:rPr b="0" lang="en-US" sz="1300" spc="-1" strike="noStrike">
+                <a:solidFill>
+                  <a:srgbClr val="000000"/>
+                </a:solidFill>
+                <a:latin typeface="Calibri"/>
+                <a:ea typeface="DejaVu Sans"/>
+              </a:rPr>
+              <a:t>e</a:t>
+            </a:r>
+            <a:r>
+              <a:rPr b="0" lang="en-US" sz="1300" spc="-1" strike="noStrike">
+                <a:solidFill>
+                  <a:srgbClr val="000000"/>
+                </a:solidFill>
+                <a:latin typeface="Calibri"/>
+                <a:ea typeface="DejaVu Sans"/>
+              </a:rPr>
+              <a:t>.</a:t>
+            </a:r>
+            <a:r>
+              <a:rPr b="0" lang="en-US" sz="1300" spc="-1" strike="noStrike">
+                <a:solidFill>
+                  <a:srgbClr val="000000"/>
+                </a:solidFill>
+                <a:latin typeface="Calibri"/>
+                <a:ea typeface="DejaVu Sans"/>
+              </a:rPr>
+              <a:t>g</a:t>
+            </a:r>
+            <a:r>
+              <a:rPr b="0" lang="en-US" sz="1300" spc="-1" strike="noStrike">
+                <a:solidFill>
+                  <a:srgbClr val="000000"/>
+                </a:solidFill>
+                <a:latin typeface="Calibri"/>
+                <a:ea typeface="DejaVu Sans"/>
+              </a:rPr>
+              <a:t>,</a:t>
+            </a:r>
+            <a:r>
+              <a:rPr b="0" lang="en-US" sz="1300" spc="-1" strike="noStrike">
+                <a:solidFill>
+                  <a:srgbClr val="000000"/>
+                </a:solidFill>
+                <a:latin typeface="Calibri"/>
+                <a:ea typeface="DejaVu Sans"/>
+              </a:rPr>
+              <a:t> </a:t>
+            </a:r>
+            <a:r>
+              <a:rPr b="0" lang="en-US" sz="1300" spc="-1" strike="noStrike">
+                <a:solidFill>
+                  <a:srgbClr val="000000"/>
+                </a:solidFill>
+                <a:latin typeface="Calibri"/>
+                <a:ea typeface="DejaVu Sans"/>
+              </a:rPr>
+              <a:t>f</a:t>
+            </a:r>
+            <a:r>
+              <a:rPr b="0" lang="en-US" sz="1300" spc="-1" strike="noStrike">
+                <a:solidFill>
+                  <a:srgbClr val="000000"/>
+                </a:solidFill>
+                <a:latin typeface="Calibri"/>
+                <a:ea typeface="DejaVu Sans"/>
+              </a:rPr>
+              <a:t>r</a:t>
+            </a:r>
+            <a:r>
+              <a:rPr b="0" lang="en-US" sz="1300" spc="-1" strike="noStrike">
+                <a:solidFill>
+                  <a:srgbClr val="000000"/>
+                </a:solidFill>
+                <a:latin typeface="Calibri"/>
+                <a:ea typeface="DejaVu Sans"/>
+              </a:rPr>
+              <a:t>o</a:t>
+            </a:r>
+            <a:r>
+              <a:rPr b="0" lang="en-US" sz="1300" spc="-1" strike="noStrike">
+                <a:solidFill>
+                  <a:srgbClr val="000000"/>
+                </a:solidFill>
+                <a:latin typeface="Calibri"/>
+                <a:ea typeface="DejaVu Sans"/>
+              </a:rPr>
+              <a:t>m</a:t>
+            </a:r>
+            <a:r>
+              <a:rPr b="0" lang="en-US" sz="1300" spc="-1" strike="noStrike">
+                <a:solidFill>
+                  <a:srgbClr val="000000"/>
+                </a:solidFill>
+                <a:latin typeface="Calibri"/>
+                <a:ea typeface="DejaVu Sans"/>
+              </a:rPr>
+              <a:t> </a:t>
+            </a:r>
+            <a:r>
+              <a:rPr b="0" lang="en-US" sz="1300" spc="-1" strike="noStrike">
+                <a:solidFill>
+                  <a:srgbClr val="000000"/>
+                </a:solidFill>
+                <a:latin typeface="Calibri"/>
+                <a:ea typeface="DejaVu Sans"/>
+              </a:rPr>
+              <a:t>5</a:t>
+            </a:r>
+            <a:r>
+              <a:rPr b="0" lang="en-US" sz="1300" spc="-1" strike="noStrike">
+                <a:solidFill>
+                  <a:srgbClr val="000000"/>
+                </a:solidFill>
+                <a:latin typeface="Calibri"/>
+                <a:ea typeface="DejaVu Sans"/>
+              </a:rPr>
+              <a:t>0</a:t>
+            </a:r>
+            <a:r>
+              <a:rPr b="0" lang="en-US" sz="1300" spc="-1" strike="noStrike">
+                <a:solidFill>
+                  <a:srgbClr val="000000"/>
+                </a:solidFill>
+                <a:latin typeface="Calibri"/>
+                <a:ea typeface="DejaVu Sans"/>
+              </a:rPr>
+              <a:t>0</a:t>
+            </a:r>
+            <a:r>
+              <a:rPr b="0" lang="en-US" sz="1300" spc="-1" strike="noStrike">
+                <a:solidFill>
+                  <a:srgbClr val="000000"/>
+                </a:solidFill>
+                <a:latin typeface="Calibri"/>
+                <a:ea typeface="DejaVu Sans"/>
+              </a:rPr>
+              <a:t>M</a:t>
+            </a:r>
+            <a:r>
+              <a:rPr b="0" lang="en-US" sz="1300" spc="-1" strike="noStrike">
+                <a:solidFill>
+                  <a:srgbClr val="000000"/>
+                </a:solidFill>
+                <a:latin typeface="Calibri"/>
+                <a:ea typeface="DejaVu Sans"/>
+              </a:rPr>
+              <a:t>B</a:t>
+            </a:r>
+            <a:r>
+              <a:rPr b="0" lang="en-US" sz="1300" spc="-1" strike="noStrike">
+                <a:solidFill>
+                  <a:srgbClr val="000000"/>
+                </a:solidFill>
+                <a:latin typeface="Calibri"/>
+                <a:ea typeface="DejaVu Sans"/>
+              </a:rPr>
+              <a:t> </a:t>
+            </a:r>
+            <a:r>
+              <a:rPr b="0" lang="en-US" sz="1300" spc="-1" strike="noStrike">
+                <a:solidFill>
+                  <a:srgbClr val="000000"/>
+                </a:solidFill>
+                <a:latin typeface="Calibri"/>
+                <a:ea typeface="DejaVu Sans"/>
+              </a:rPr>
+              <a:t>t</a:t>
+            </a:r>
+            <a:r>
+              <a:rPr b="0" lang="en-US" sz="1300" spc="-1" strike="noStrike">
+                <a:solidFill>
+                  <a:srgbClr val="000000"/>
+                </a:solidFill>
+                <a:latin typeface="Calibri"/>
+                <a:ea typeface="DejaVu Sans"/>
+              </a:rPr>
+              <a:t>o</a:t>
+            </a:r>
+            <a:r>
+              <a:rPr b="0" lang="en-US" sz="1300" spc="-1" strike="noStrike">
+                <a:solidFill>
+                  <a:srgbClr val="000000"/>
+                </a:solidFill>
+                <a:latin typeface="Calibri"/>
+                <a:ea typeface="DejaVu Sans"/>
+              </a:rPr>
+              <a:t> </a:t>
+            </a:r>
+            <a:r>
+              <a:rPr b="0" lang="en-US" sz="1300" spc="-1" strike="noStrike">
+                <a:solidFill>
+                  <a:srgbClr val="000000"/>
+                </a:solidFill>
+                <a:latin typeface="Calibri"/>
+                <a:ea typeface="DejaVu Sans"/>
+              </a:rPr>
+              <a:t>1</a:t>
+            </a:r>
+            <a:r>
+              <a:rPr b="0" lang="en-US" sz="1300" spc="-1" strike="noStrike">
+                <a:solidFill>
+                  <a:srgbClr val="000000"/>
+                </a:solidFill>
+                <a:latin typeface="Calibri"/>
+                <a:ea typeface="DejaVu Sans"/>
+              </a:rPr>
+              <a:t>0</a:t>
+            </a:r>
+            <a:r>
+              <a:rPr b="0" lang="en-US" sz="1300" spc="-1" strike="noStrike">
+                <a:solidFill>
+                  <a:srgbClr val="000000"/>
+                </a:solidFill>
+                <a:latin typeface="Calibri"/>
+                <a:ea typeface="DejaVu Sans"/>
+              </a:rPr>
+              <a:t>0</a:t>
+            </a:r>
+            <a:r>
+              <a:rPr b="0" lang="en-US" sz="1300" spc="-1" strike="noStrike">
+                <a:solidFill>
+                  <a:srgbClr val="000000"/>
+                </a:solidFill>
+                <a:latin typeface="Calibri"/>
+                <a:ea typeface="DejaVu Sans"/>
+              </a:rPr>
+              <a:t>-</a:t>
+            </a:r>
+            <a:r>
+              <a:rPr b="0" lang="en-US" sz="1300" spc="-1" strike="noStrike">
+                <a:solidFill>
+                  <a:srgbClr val="000000"/>
+                </a:solidFill>
+                <a:latin typeface="Calibri"/>
+                <a:ea typeface="DejaVu Sans"/>
+              </a:rPr>
+              <a:t>G</a:t>
+            </a:r>
+            <a:r>
+              <a:rPr b="0" lang="en-US" sz="1300" spc="-1" strike="noStrike">
+                <a:solidFill>
+                  <a:srgbClr val="000000"/>
+                </a:solidFill>
+                <a:latin typeface="Calibri"/>
+                <a:ea typeface="DejaVu Sans"/>
+              </a:rPr>
+              <a:t>B</a:t>
+            </a:r>
+            <a:r>
+              <a:rPr b="0" lang="en-US" sz="1300" spc="-1" strike="noStrike">
+                <a:solidFill>
+                  <a:srgbClr val="000000"/>
+                </a:solidFill>
+                <a:latin typeface="Calibri"/>
+                <a:ea typeface="DejaVu Sans"/>
+              </a:rPr>
+              <a:t>)</a:t>
+            </a:r>
+            <a:r>
+              <a:rPr b="0" lang="en-US" sz="1300" spc="-1" strike="noStrike">
+                <a:solidFill>
+                  <a:srgbClr val="000000"/>
+                </a:solidFill>
+                <a:latin typeface="Calibri"/>
+                <a:ea typeface="DejaVu Sans"/>
+              </a:rPr>
+              <a:t>.</a:t>
             </a:r>
             <a:endParaRPr b="0" lang="en-US" sz="1300" spc="-1" strike="noStrike">
               <a:latin typeface="Arial"/>
@@ -6904,7 +8576,7 @@
       </p:sp>
       <p:sp>
         <p:nvSpPr>
-          <p:cNvPr id="101" name="標題 1"/>
+          <p:cNvPr id="98" name="標題 1"/>
           <p:cNvSpPr/>
           <p:nvPr/>
         </p:nvSpPr>
@@ -6966,7 +8638,7 @@
       </p:sp>
       <p:sp>
         <p:nvSpPr>
-          <p:cNvPr id="102" name="PlaceHolder 3"/>
+          <p:cNvPr id="99" name="PlaceHolder 3"/>
           <p:cNvSpPr>
             <a:spLocks noGrp="1"/>
           </p:cNvSpPr>
@@ -7013,7 +8685,7 @@
               </a:lnSpc>
               <a:buNone/>
             </a:pPr>
-            <a:fld id="{E9973B91-0B05-4987-8604-192D2B3DA867}" type="slidenum">
+            <a:fld id="{4E9A2372-4D6A-49E9-8918-1C2C5E384EBE}" type="slidenum">
               <a:rPr b="0" lang="en-US" sz="1200" spc="-1" strike="noStrike">
                 <a:solidFill>
                   <a:srgbClr val="8b8b8b"/>
@@ -7031,7 +8703,7 @@
       </p:sp>
       <p:pic>
         <p:nvPicPr>
-          <p:cNvPr id="103" name="" descr=""/>
+          <p:cNvPr id="100" name="" descr=""/>
           <p:cNvPicPr/>
           <p:nvPr/>
         </p:nvPicPr>
@@ -7041,8 +8713,8 @@
         </p:blipFill>
         <p:spPr>
           <a:xfrm>
-            <a:off x="228600" y="2286000"/>
-            <a:ext cx="2532960" cy="1809000"/>
+            <a:off x="685800" y="2786760"/>
+            <a:ext cx="2743200" cy="870840"/>
           </a:xfrm>
           <a:prstGeom prst="rect">
             <a:avLst/>
@@ -7054,59 +8726,9 @@
           </a:ln>
         </p:spPr>
       </p:pic>
-      <p:sp>
-        <p:nvSpPr>
-          <p:cNvPr id="104" name=""/>
-          <p:cNvSpPr/>
-          <p:nvPr/>
-        </p:nvSpPr>
-        <p:spPr>
-          <a:xfrm>
-            <a:off x="457200" y="4225680"/>
-            <a:ext cx="1599840" cy="345960"/>
-          </a:xfrm>
-          <a:prstGeom prst="rect">
-            <a:avLst/>
-          </a:prstGeom>
-          <a:noFill/>
-          <a:ln w="0">
-            <a:solidFill>
-              <a:srgbClr val="bf0041"/>
-            </a:solidFill>
-          </a:ln>
-        </p:spPr>
-        <p:style>
-          <a:lnRef idx="0"/>
-          <a:fillRef idx="0"/>
-          <a:effectRef idx="0"/>
-          <a:fontRef idx="minor"/>
-        </p:style>
-        <p:txBody>
-          <a:bodyPr lIns="90000" rIns="90000" tIns="45000" bIns="45000" anchor="t">
-            <a:noAutofit/>
-          </a:bodyPr>
-          <a:p>
-            <a:pPr>
-              <a:lnSpc>
-                <a:spcPct val="100000"/>
-              </a:lnSpc>
-              <a:buNone/>
-            </a:pPr>
-            <a:r>
-              <a:rPr b="0" lang="en-US" sz="1800" spc="-1" strike="noStrike">
-                <a:latin typeface="Arial"/>
-              </a:rPr>
-              <a:t>Google TPU</a:t>
-            </a:r>
-            <a:endParaRPr b="0" lang="en-US" sz="1800" spc="-1" strike="noStrike">
-              <a:latin typeface="Arial"/>
-            </a:endParaRPr>
-          </a:p>
-        </p:txBody>
-      </p:sp>
       <p:pic>
         <p:nvPicPr>
-          <p:cNvPr id="105" name="" descr=""/>
+          <p:cNvPr id="101" name="" descr=""/>
           <p:cNvPicPr/>
           <p:nvPr/>
         </p:nvPicPr>
@@ -7116,8 +8738,8 @@
         </p:blipFill>
         <p:spPr>
           <a:xfrm>
-            <a:off x="133560" y="4689720"/>
-            <a:ext cx="2837880" cy="1608840"/>
+            <a:off x="6231240" y="2514600"/>
+            <a:ext cx="2226960" cy="3429000"/>
           </a:xfrm>
           <a:prstGeom prst="rect">
             <a:avLst/>
@@ -7131,14 +8753,14 @@
       </p:pic>
       <p:sp>
         <p:nvSpPr>
-          <p:cNvPr id="106" name=""/>
-          <p:cNvSpPr/>
+          <p:cNvPr id="102" name=""/>
+          <p:cNvSpPr txBox="1"/>
           <p:nvPr/>
         </p:nvSpPr>
         <p:spPr>
           <a:xfrm>
-            <a:off x="3886200" y="6238440"/>
-            <a:ext cx="3657240" cy="390600"/>
+            <a:off x="457200" y="4114800"/>
+            <a:ext cx="3429000" cy="459000"/>
           </a:xfrm>
           <a:prstGeom prst="rect">
             <a:avLst/>
@@ -7150,136 +8772,23 @@
             </a:solidFill>
           </a:ln>
         </p:spPr>
-        <p:style>
-          <a:lnRef idx="0"/>
-          <a:fillRef idx="0"/>
-          <a:effectRef idx="0"/>
-          <a:fontRef idx="minor"/>
-        </p:style>
         <p:txBody>
           <a:bodyPr lIns="90000" rIns="90000" tIns="45000" bIns="45000" anchor="t">
             <a:noAutofit/>
           </a:bodyPr>
           <a:p>
-            <a:pPr>
-              <a:lnSpc>
-                <a:spcPct val="100000"/>
-              </a:lnSpc>
-              <a:buNone/>
-            </a:pPr>
-            <a:r>
-              <a:rPr b="0" lang="en-US" sz="1800" spc="-1" strike="noStrike">
+            <a:r>
+              <a:rPr b="0" lang="en-US" sz="1300" spc="-1" strike="noStrike">
                 <a:latin typeface="Arial"/>
-                <a:ea typeface="Noto Sans CJK SC"/>
-              </a:rPr>
-              <a:t>Tesla M40 based on Nvidia GPU</a:t>
-            </a:r>
-            <a:endParaRPr b="0" lang="en-US" sz="1800" spc="-1" strike="noStrike">
-              <a:latin typeface="Arial"/>
-            </a:endParaRPr>
-          </a:p>
-        </p:txBody>
-      </p:sp>
-      <p:pic>
-        <p:nvPicPr>
-          <p:cNvPr id="107" name="" descr=""/>
-          <p:cNvPicPr/>
-          <p:nvPr/>
-        </p:nvPicPr>
-        <p:blipFill>
-          <a:blip r:embed="rId3"/>
-          <a:stretch/>
-        </p:blipFill>
-        <p:spPr>
-          <a:xfrm>
-            <a:off x="3867480" y="2286000"/>
-            <a:ext cx="2532960" cy="1799640"/>
-          </a:xfrm>
-          <a:prstGeom prst="rect">
-            <a:avLst/>
-          </a:prstGeom>
-          <a:ln w="0">
-            <a:solidFill>
-              <a:srgbClr val="bf0041"/>
-            </a:solidFill>
-          </a:ln>
-        </p:spPr>
-      </p:pic>
-      <p:sp>
-        <p:nvSpPr>
-          <p:cNvPr id="108" name=""/>
-          <p:cNvSpPr/>
-          <p:nvPr/>
-        </p:nvSpPr>
-        <p:spPr>
-          <a:xfrm>
-            <a:off x="3886200" y="4114800"/>
-            <a:ext cx="2971440" cy="345960"/>
-          </a:xfrm>
-          <a:prstGeom prst="rect">
-            <a:avLst/>
-          </a:prstGeom>
-          <a:noFill/>
-          <a:ln w="0">
-            <a:solidFill>
-              <a:srgbClr val="bf0041"/>
-            </a:solidFill>
-          </a:ln>
-        </p:spPr>
-        <p:style>
-          <a:lnRef idx="0"/>
-          <a:fillRef idx="0"/>
-          <a:effectRef idx="0"/>
-          <a:fontRef idx="minor"/>
-        </p:style>
-        <p:txBody>
-          <a:bodyPr lIns="90000" rIns="90000" tIns="45000" bIns="45000" anchor="t">
-            <a:noAutofit/>
-          </a:bodyPr>
-          <a:p>
-            <a:pPr>
-              <a:lnSpc>
-                <a:spcPct val="100000"/>
-              </a:lnSpc>
-              <a:buNone/>
-            </a:pPr>
-            <a:r>
-              <a:rPr b="0" lang="en-US" sz="1800" spc="-1" strike="noStrike">
-                <a:latin typeface="Arial"/>
-              </a:rPr>
-              <a:t>Meta Grand Teton Platform</a:t>
-            </a:r>
-            <a:endParaRPr b="0" lang="en-US" sz="1800" spc="-1" strike="noStrike">
-              <a:latin typeface="Arial"/>
-            </a:endParaRPr>
-          </a:p>
-        </p:txBody>
-      </p:sp>
-      <p:pic>
-        <p:nvPicPr>
-          <p:cNvPr id="109" name="" descr=""/>
-          <p:cNvPicPr/>
-          <p:nvPr/>
-        </p:nvPicPr>
-        <p:blipFill>
-          <a:blip r:embed="rId4"/>
-          <a:stretch/>
-        </p:blipFill>
-        <p:spPr>
-          <a:xfrm>
-            <a:off x="3819960" y="4667760"/>
-            <a:ext cx="3037680" cy="1504080"/>
-          </a:xfrm>
-          <a:prstGeom prst="rect">
-            <a:avLst/>
-          </a:prstGeom>
-          <a:ln w="0">
-            <a:solidFill>
-              <a:srgbClr val="bf0041"/>
-            </a:solidFill>
-          </a:ln>
-        </p:spPr>
-      </p:pic>
+              </a:rPr>
+              <a:t>North Bridge and South Bridge Speed up</a:t>
+            </a:r>
+            <a:endParaRPr b="0" lang="en-US" sz="1300" spc="-1" strike="noStrike">
+              <a:latin typeface="Arial"/>
+            </a:endParaRPr>
+          </a:p>
+        </p:txBody>
+      </p:sp>
       <p:sp>
         <p:nvSpPr>
           <p:cNvPr id="5" name="PlaceHolder 4"/>
@@ -7294,9 +8803,9 @@
         <p:txBody>
           <a:bodyPr/>
           <a:p>
-            <a:fld id="{5BBC0148-7599-4B37-8551-506411329241}" type="datetime1">
+            <a:fld id="{5631F40D-0938-432B-AB48-B9C5329013B0}" type="datetime1">
               <a:rPr lang="en-US"/>
-              <a:t>11/26/2023</a:t>
+              <a:t>01/18/2024</a:t>
             </a:fld>
           </a:p>
         </p:txBody>
@@ -7333,7 +8842,7 @@
       </p:grpSpPr>
       <p:sp>
         <p:nvSpPr>
-          <p:cNvPr id="110" name="PlaceHolder 1"/>
+          <p:cNvPr id="103" name="PlaceHolder 1"/>
           <p:cNvSpPr>
             <a:spLocks noGrp="1"/>
           </p:cNvSpPr>
@@ -7383,7 +8892,7 @@
                 <a:latin typeface="Calibri"/>
                 <a:ea typeface="DejaVu Sans"/>
               </a:rPr>
-              <a:t>002 DL: Why Deep Learning?</a:t>
+              <a:t>002 Why Deep Learning?</a:t>
             </a:r>
             <a:endParaRPr b="0" lang="en-US" sz="4200" spc="-1" strike="noStrike">
               <a:latin typeface="Arial"/>
@@ -7393,7 +8902,7 @@
       </p:sp>
       <p:sp>
         <p:nvSpPr>
-          <p:cNvPr id="111" name="PlaceHolder 2"/>
+          <p:cNvPr id="104" name="PlaceHolder 2"/>
           <p:cNvSpPr>
             <a:spLocks noGrp="1"/>
           </p:cNvSpPr>
@@ -7403,8 +8912,8 @@
         </p:nvSpPr>
         <p:spPr>
           <a:xfrm>
-            <a:off x="232200" y="1302120"/>
-            <a:ext cx="8667000" cy="2126520"/>
+            <a:off x="248400" y="1302120"/>
+            <a:ext cx="8438400" cy="1669680"/>
           </a:xfrm>
           <a:prstGeom prst="rect">
             <a:avLst/>
@@ -7442,7 +8951,7 @@
                 <a:latin typeface="Calibri"/>
                 <a:ea typeface="DejaVu Sans"/>
               </a:rPr>
-              <a:t>DL: Why Deep Learning? (2:40-5:24/5:24)</a:t>
+              <a:t>Why Deep Learning is so Popular? (2:31-3:00/5:24)</a:t>
             </a:r>
             <a:endParaRPr b="0" lang="en-US" sz="1300" spc="-1" strike="noStrike">
               <a:latin typeface="Arial"/>
@@ -7470,7 +8979,7 @@
                 <a:latin typeface="Calibri"/>
                 <a:ea typeface="DejaVu Sans"/>
               </a:rPr>
-              <a:t>3. Python and Open-source ecosystem: this is the most important. Before, we can only use C++ with Computer science background. Now, with Python, non-CS majors, math, statistical major, EE, etc can develop program easily. We have meta PyTorch and google tensorflow.</a:t>
+              <a:t>2. Hardware Advancement: </a:t>
             </a:r>
             <a:endParaRPr b="0" lang="en-US" sz="1300" spc="-1" strike="noStrike">
               <a:latin typeface="Arial"/>
@@ -7498,7 +9007,7 @@
                 <a:latin typeface="Calibri"/>
                 <a:ea typeface="DejaVu Sans"/>
               </a:rPr>
-              <a:t>4. Cloud: If yo don’t have GPU on your computer, you can run GPU on cloud. You don’t have to buy the GPU and TPU hardware. You just rent a computer on the cloud.</a:t>
+              <a:t>2.1 The computer (North Bridge system) with system speed and memory capacity improvement (e.g, from 500MB to 100-GB).</a:t>
             </a:r>
             <a:endParaRPr b="0" lang="en-US" sz="1300" spc="-1" strike="noStrike">
               <a:latin typeface="Arial"/>
@@ -7526,17 +9035,45 @@
                 <a:latin typeface="Calibri"/>
                 <a:ea typeface="DejaVu Sans"/>
               </a:rPr>
-              <a:t>5. AI Boom: LLM (Large Language Model) for Google PaLM (Pathway Language Model), Meta Llama (Large Language Model by Meta AI), FAISS (Facebook AI Similarity Search), chatGPT by OpenAI, HuggingFace LangChain, etc. </a:t>
+              <a:t>2.2 NVIDIA (South Bridge ASICs) 8-GPUs with 100GB VRAM.</a:t>
             </a:r>
             <a:endParaRPr b="0" lang="en-US" sz="1300" spc="-1" strike="noStrike">
               <a:latin typeface="Arial"/>
             </a:endParaRPr>
           </a:p>
-        </p:txBody>
-      </p:sp>
-      <p:sp>
-        <p:nvSpPr>
-          <p:cNvPr id="112" name="標題 2"/>
+          <a:p>
+            <a:pPr marL="465120" indent="-465120">
+              <a:lnSpc>
+                <a:spcPct val="100000"/>
+              </a:lnSpc>
+              <a:spcBef>
+                <a:spcPts val="360"/>
+              </a:spcBef>
+              <a:buClr>
+                <a:srgbClr val="0070c0"/>
+              </a:buClr>
+              <a:buFont typeface="Wingdings" charset="2"/>
+              <a:buChar char=""/>
+            </a:pPr>
+            <a:r>
+              <a:rPr b="0" lang="en-US" sz="1300" spc="-1" strike="noStrike">
+                <a:solidFill>
+                  <a:srgbClr val="000000"/>
+                </a:solidFill>
+                <a:latin typeface="Calibri"/>
+                <a:ea typeface="DejaVu Sans"/>
+              </a:rPr>
+              <a:t>2.3 Google TPU (Tensor/Tensorflow Processing Unit): ASICs based GPU. We can run jobs on local computer or in Cloud.</a:t>
+            </a:r>
+            <a:endParaRPr b="0" lang="en-US" sz="1300" spc="-1" strike="noStrike">
+              <a:latin typeface="Arial"/>
+            </a:endParaRPr>
+          </a:p>
+        </p:txBody>
+      </p:sp>
+      <p:sp>
+        <p:nvSpPr>
+          <p:cNvPr id="105" name="標題 2"/>
           <p:cNvSpPr/>
           <p:nvPr/>
         </p:nvSpPr>
@@ -7598,7 +9135,7 @@
       </p:sp>
       <p:sp>
         <p:nvSpPr>
-          <p:cNvPr id="113" name="PlaceHolder 3"/>
+          <p:cNvPr id="106" name="PlaceHolder 3"/>
           <p:cNvSpPr>
             <a:spLocks noGrp="1"/>
           </p:cNvSpPr>
@@ -7645,7 +9182,7 @@
               </a:lnSpc>
               <a:buNone/>
             </a:pPr>
-            <a:fld id="{AB8D4855-2174-4C94-BCB3-73DB65D9BC43}" type="slidenum">
+            <a:fld id="{4E385739-6E1F-449C-8AAA-2699C9A9C718}" type="slidenum">
               <a:rPr b="0" lang="en-US" sz="1200" spc="-1" strike="noStrike">
                 <a:solidFill>
                   <a:srgbClr val="8b8b8b"/>
@@ -7661,6 +9198,132 @@
           </a:p>
         </p:txBody>
       </p:sp>
+      <p:pic>
+        <p:nvPicPr>
+          <p:cNvPr id="107" name="" descr=""/>
+          <p:cNvPicPr/>
+          <p:nvPr/>
+        </p:nvPicPr>
+        <p:blipFill>
+          <a:blip r:embed="rId1"/>
+          <a:stretch/>
+        </p:blipFill>
+        <p:spPr>
+          <a:xfrm>
+            <a:off x="687600" y="4343400"/>
+            <a:ext cx="2284200" cy="2161800"/>
+          </a:xfrm>
+          <a:prstGeom prst="rect">
+            <a:avLst/>
+          </a:prstGeom>
+          <a:ln w="0">
+            <a:solidFill>
+              <a:srgbClr val="bf0041"/>
+            </a:solidFill>
+          </a:ln>
+        </p:spPr>
+      </p:pic>
+      <p:pic>
+        <p:nvPicPr>
+          <p:cNvPr id="108" name="" descr=""/>
+          <p:cNvPicPr/>
+          <p:nvPr/>
+        </p:nvPicPr>
+        <p:blipFill>
+          <a:blip r:embed="rId2"/>
+          <a:stretch/>
+        </p:blipFill>
+        <p:spPr>
+          <a:xfrm>
+            <a:off x="5257800" y="4343400"/>
+            <a:ext cx="3611160" cy="1933200"/>
+          </a:xfrm>
+          <a:prstGeom prst="rect">
+            <a:avLst/>
+          </a:prstGeom>
+          <a:ln w="0">
+            <a:solidFill>
+              <a:srgbClr val="bf0041"/>
+            </a:solidFill>
+          </a:ln>
+        </p:spPr>
+      </p:pic>
+      <p:sp>
+        <p:nvSpPr>
+          <p:cNvPr id="109" name=""/>
+          <p:cNvSpPr txBox="1"/>
+          <p:nvPr/>
+        </p:nvSpPr>
+        <p:spPr>
+          <a:xfrm>
+            <a:off x="5257800" y="3840120"/>
+            <a:ext cx="1600200" cy="274680"/>
+          </a:xfrm>
+          <a:prstGeom prst="rect">
+            <a:avLst/>
+          </a:prstGeom>
+          <a:noFill/>
+          <a:ln w="0">
+            <a:solidFill>
+              <a:srgbClr val="bf0041"/>
+            </a:solidFill>
+          </a:ln>
+        </p:spPr>
+        <p:txBody>
+          <a:bodyPr lIns="90000" rIns="90000" tIns="45000" bIns="45000" anchor="t">
+            <a:noAutofit/>
+          </a:bodyPr>
+          <a:p>
+            <a:r>
+              <a:rPr b="0" lang="en-US" sz="1300" spc="-1" strike="noStrike">
+                <a:latin typeface="Arial"/>
+              </a:rPr>
+              <a:t>Google ASICs TPU</a:t>
+            </a:r>
+            <a:endParaRPr b="0" lang="en-US" sz="1300" spc="-1" strike="noStrike">
+              <a:latin typeface="Arial"/>
+            </a:endParaRPr>
+          </a:p>
+        </p:txBody>
+      </p:sp>
+      <p:sp>
+        <p:nvSpPr>
+          <p:cNvPr id="110" name=""/>
+          <p:cNvSpPr txBox="1"/>
+          <p:nvPr/>
+        </p:nvSpPr>
+        <p:spPr>
+          <a:xfrm>
+            <a:off x="685800" y="3657600"/>
+            <a:ext cx="2286000" cy="346320"/>
+          </a:xfrm>
+          <a:prstGeom prst="rect">
+            <a:avLst/>
+          </a:prstGeom>
+          <a:noFill/>
+          <a:ln w="0">
+            <a:solidFill>
+              <a:srgbClr val="bf0041"/>
+            </a:solidFill>
+          </a:ln>
+        </p:spPr>
+        <p:txBody>
+          <a:bodyPr lIns="90000" rIns="90000" tIns="45000" bIns="45000" anchor="t">
+            <a:noAutofit/>
+          </a:bodyPr>
+          <a:p>
+            <a:r>
+              <a:rPr b="0" lang="en-US" sz="1300" spc="-1" strike="noStrike">
+                <a:latin typeface="Arial"/>
+              </a:rPr>
+              <a:t>NVIDIA South Bridge GPU</a:t>
+            </a:r>
+            <a:endParaRPr b="0" lang="en-US" sz="1300" spc="-1" strike="noStrike">
+              <a:latin typeface="Arial"/>
+            </a:endParaRPr>
+          </a:p>
+        </p:txBody>
+      </p:sp>
       <p:sp>
         <p:nvSpPr>
           <p:cNvPr id="5" name="PlaceHolder 4"/>
@@ -7675,9 +9338,9 @@
         <p:txBody>
           <a:bodyPr/>
           <a:p>
-            <a:fld id="{F45E2A7F-EF02-4351-AD31-0825DF10DFCD}" type="datetime1">
+            <a:fld id="{A34185FB-FDE4-4CA1-A340-FDFC54236FFC}" type="datetime1">
               <a:rPr lang="en-US"/>
-              <a:t>11/26/2023</a:t>
+              <a:t>01/18/2024</a:t>
             </a:fld>
           </a:p>
         </p:txBody>
@@ -7714,7 +9377,7 @@
       </p:grpSpPr>
       <p:sp>
         <p:nvSpPr>
-          <p:cNvPr id="114" name="PlaceHolder 1"/>
+          <p:cNvPr id="111" name="PlaceHolder 1"/>
           <p:cNvSpPr>
             <a:spLocks noGrp="1"/>
           </p:cNvSpPr>
@@ -7724,8 +9387,775 @@
         </p:nvSpPr>
         <p:spPr>
           <a:xfrm>
-            <a:off x="0" y="2130480"/>
-            <a:ext cx="9122400" cy="1448280"/>
+            <a:off x="0" y="0"/>
+            <a:ext cx="9141480" cy="743040"/>
+          </a:xfrm>
+          <a:prstGeom prst="rect">
+            <a:avLst/>
+          </a:prstGeom>
+          <a:gradFill rotWithShape="0">
+            <a:gsLst>
+              <a:gs pos="0">
+                <a:srgbClr val="bf0000"/>
+              </a:gs>
+              <a:gs pos="100000">
+                <a:srgbClr val="710000"/>
+              </a:gs>
+            </a:gsLst>
+            <a:lin ang="8100000"/>
+          </a:gradFill>
+          <a:ln w="0">
+            <a:noFill/>
+          </a:ln>
+        </p:spPr>
+        <p:txBody>
+          <a:bodyPr lIns="0" rIns="0" tIns="0" bIns="0" anchor="ctr">
+            <a:normAutofit/>
+          </a:bodyPr>
+          <a:p>
+            <a:pPr>
+              <a:lnSpc>
+                <a:spcPct val="100000"/>
+              </a:lnSpc>
+              <a:buNone/>
+            </a:pPr>
+            <a:r>
+              <a:rPr b="1" lang="en-US" sz="4200" spc="-1" strike="noStrike">
+                <a:solidFill>
+                  <a:srgbClr val="ffff00"/>
+                </a:solidFill>
+                <a:latin typeface="Calibri"/>
+                <a:ea typeface="DejaVu Sans"/>
+              </a:rPr>
+              <a:t>002 Why Deep Learning?</a:t>
+            </a:r>
+            <a:endParaRPr b="0" lang="en-US" sz="4200" spc="-1" strike="noStrike">
+              <a:latin typeface="Arial"/>
+            </a:endParaRPr>
+          </a:p>
+        </p:txBody>
+      </p:sp>
+      <p:sp>
+        <p:nvSpPr>
+          <p:cNvPr id="112" name="PlaceHolder 2"/>
+          <p:cNvSpPr>
+            <a:spLocks noGrp="1"/>
+          </p:cNvSpPr>
+          <p:nvPr>
+            <p:ph type="subTitle"/>
+          </p:nvPr>
+        </p:nvSpPr>
+        <p:spPr>
+          <a:xfrm>
+            <a:off x="248400" y="1302120"/>
+            <a:ext cx="8438400" cy="3041280"/>
+          </a:xfrm>
+          <a:prstGeom prst="rect">
+            <a:avLst/>
+          </a:prstGeom>
+          <a:noFill/>
+          <a:ln w="0">
+            <a:solidFill>
+              <a:srgbClr val="c00000"/>
+            </a:solidFill>
+          </a:ln>
+        </p:spPr>
+        <p:txBody>
+          <a:bodyPr lIns="0" rIns="0" tIns="0" bIns="0" anchor="t">
+            <a:noAutofit/>
+          </a:bodyPr>
+          <a:p>
+            <a:pPr marL="465120" indent="-465120">
+              <a:lnSpc>
+                <a:spcPct val="100000"/>
+              </a:lnSpc>
+              <a:spcBef>
+                <a:spcPts val="360"/>
+              </a:spcBef>
+              <a:buClr>
+                <a:srgbClr val="0070c0"/>
+              </a:buClr>
+              <a:buFont typeface="Wingdings" charset="2"/>
+              <a:buChar char=""/>
+            </a:pPr>
+            <a:r>
+              <a:rPr b="1" lang="en-US" sz="1300" spc="-1" strike="noStrike">
+                <a:solidFill>
+                  <a:srgbClr val="000000"/>
+                </a:solidFill>
+                <a:latin typeface="Calibri"/>
+                <a:ea typeface="DejaVu Sans"/>
+              </a:rPr>
+              <a:t>Why Deep </a:t>
+            </a:r>
+            <a:r>
+              <a:rPr b="1" lang="en-US" sz="1300" spc="-1" strike="noStrike">
+                <a:solidFill>
+                  <a:srgbClr val="000000"/>
+                </a:solidFill>
+                <a:latin typeface="Calibri"/>
+                <a:ea typeface="DejaVu Sans"/>
+              </a:rPr>
+              <a:t>Learning is so </a:t>
+            </a:r>
+            <a:r>
+              <a:rPr b="1" lang="en-US" sz="1300" spc="-1" strike="noStrike">
+                <a:solidFill>
+                  <a:srgbClr val="000000"/>
+                </a:solidFill>
+                <a:latin typeface="Calibri"/>
+                <a:ea typeface="DejaVu Sans"/>
+              </a:rPr>
+              <a:t>Popular? (2:31-</a:t>
+            </a:r>
+            <a:r>
+              <a:rPr b="1" lang="en-US" sz="1300" spc="-1" strike="noStrike">
+                <a:solidFill>
+                  <a:srgbClr val="000000"/>
+                </a:solidFill>
+                <a:latin typeface="Calibri"/>
+                <a:ea typeface="DejaVu Sans"/>
+              </a:rPr>
+              <a:t>3:00/5:24)</a:t>
+            </a:r>
+            <a:endParaRPr b="0" lang="en-US" sz="1300" spc="-1" strike="noStrike">
+              <a:latin typeface="Arial"/>
+            </a:endParaRPr>
+          </a:p>
+          <a:p>
+            <a:pPr marL="465120" indent="-465120">
+              <a:lnSpc>
+                <a:spcPct val="100000"/>
+              </a:lnSpc>
+              <a:spcBef>
+                <a:spcPts val="360"/>
+              </a:spcBef>
+              <a:buClr>
+                <a:srgbClr val="0070c0"/>
+              </a:buClr>
+              <a:buFont typeface="Wingdings" charset="2"/>
+              <a:buChar char=""/>
+            </a:pPr>
+            <a:r>
+              <a:rPr b="0" lang="en-US" sz="1300" spc="-1" strike="noStrike">
+                <a:solidFill>
+                  <a:srgbClr val="000000"/>
+                </a:solidFill>
+                <a:latin typeface="Calibri"/>
+                <a:ea typeface="DejaVu Sans"/>
+              </a:rPr>
+              <a:t>3. Python and </a:t>
+            </a:r>
+            <a:r>
+              <a:rPr b="0" lang="en-US" sz="1300" spc="-1" strike="noStrike">
+                <a:solidFill>
+                  <a:srgbClr val="000000"/>
+                </a:solidFill>
+                <a:latin typeface="Calibri"/>
+                <a:ea typeface="DejaVu Sans"/>
+              </a:rPr>
+              <a:t>Open-source </a:t>
+            </a:r>
+            <a:r>
+              <a:rPr b="0" lang="en-US" sz="1300" spc="-1" strike="noStrike">
+                <a:solidFill>
+                  <a:srgbClr val="000000"/>
+                </a:solidFill>
+                <a:latin typeface="Calibri"/>
+                <a:ea typeface="DejaVu Sans"/>
+              </a:rPr>
+              <a:t>Ecosystem: </a:t>
+            </a:r>
+            <a:endParaRPr b="0" lang="en-US" sz="1300" spc="-1" strike="noStrike">
+              <a:latin typeface="Arial"/>
+            </a:endParaRPr>
+          </a:p>
+          <a:p>
+            <a:pPr marL="465120" indent="-465120">
+              <a:lnSpc>
+                <a:spcPct val="100000"/>
+              </a:lnSpc>
+              <a:spcBef>
+                <a:spcPts val="360"/>
+              </a:spcBef>
+              <a:buClr>
+                <a:srgbClr val="0070c0"/>
+              </a:buClr>
+              <a:buFont typeface="Wingdings" charset="2"/>
+              <a:buChar char=""/>
+            </a:pPr>
+            <a:r>
+              <a:rPr b="0" lang="en-US" sz="1300" spc="-1" strike="noStrike">
+                <a:solidFill>
+                  <a:srgbClr val="000000"/>
+                </a:solidFill>
+                <a:latin typeface="Calibri"/>
+                <a:ea typeface="DejaVu Sans"/>
+              </a:rPr>
+              <a:t>This is the most </a:t>
+            </a:r>
+            <a:r>
+              <a:rPr b="0" lang="en-US" sz="1300" spc="-1" strike="noStrike">
+                <a:solidFill>
+                  <a:srgbClr val="000000"/>
+                </a:solidFill>
+                <a:latin typeface="Calibri"/>
+                <a:ea typeface="DejaVu Sans"/>
+              </a:rPr>
+              <a:t>important reason.</a:t>
+            </a:r>
+            <a:endParaRPr b="0" lang="en-US" sz="1300" spc="-1" strike="noStrike">
+              <a:latin typeface="Arial"/>
+            </a:endParaRPr>
+          </a:p>
+          <a:p>
+            <a:pPr marL="465120" indent="-465120">
+              <a:lnSpc>
+                <a:spcPct val="100000"/>
+              </a:lnSpc>
+              <a:spcBef>
+                <a:spcPts val="360"/>
+              </a:spcBef>
+              <a:buClr>
+                <a:srgbClr val="0070c0"/>
+              </a:buClr>
+              <a:buFont typeface="Wingdings" charset="2"/>
+              <a:buChar char=""/>
+            </a:pPr>
+            <a:r>
+              <a:rPr b="0" lang="en-US" sz="1300" spc="-1" strike="noStrike">
+                <a:solidFill>
+                  <a:srgbClr val="000000"/>
+                </a:solidFill>
+                <a:latin typeface="Calibri"/>
+                <a:ea typeface="DejaVu Sans"/>
+              </a:rPr>
+              <a:t>Previously, I used </a:t>
+            </a:r>
+            <a:r>
+              <a:rPr b="0" lang="en-US" sz="1300" spc="-1" strike="noStrike">
+                <a:solidFill>
+                  <a:srgbClr val="000000"/>
+                </a:solidFill>
+                <a:latin typeface="Calibri"/>
+                <a:ea typeface="DejaVu Sans"/>
+              </a:rPr>
+              <a:t>C++ for neural </a:t>
+            </a:r>
+            <a:r>
+              <a:rPr b="0" lang="en-US" sz="1300" spc="-1" strike="noStrike">
+                <a:solidFill>
+                  <a:srgbClr val="000000"/>
+                </a:solidFill>
+                <a:latin typeface="Calibri"/>
+                <a:ea typeface="DejaVu Sans"/>
+              </a:rPr>
+              <a:t>network. It is hard </a:t>
+            </a:r>
+            <a:r>
+              <a:rPr b="0" lang="en-US" sz="1300" spc="-1" strike="noStrike">
+                <a:solidFill>
+                  <a:srgbClr val="000000"/>
+                </a:solidFill>
+                <a:latin typeface="Calibri"/>
+                <a:ea typeface="DejaVu Sans"/>
+              </a:rPr>
+              <a:t>to implement.</a:t>
+            </a:r>
+            <a:endParaRPr b="0" lang="en-US" sz="1300" spc="-1" strike="noStrike">
+              <a:latin typeface="Arial"/>
+            </a:endParaRPr>
+          </a:p>
+          <a:p>
+            <a:pPr marL="465120" indent="-465120">
+              <a:lnSpc>
+                <a:spcPct val="100000"/>
+              </a:lnSpc>
+              <a:spcBef>
+                <a:spcPts val="360"/>
+              </a:spcBef>
+              <a:buClr>
+                <a:srgbClr val="0070c0"/>
+              </a:buClr>
+              <a:buFont typeface="Wingdings" charset="2"/>
+              <a:buChar char=""/>
+            </a:pPr>
+            <a:r>
+              <a:rPr b="0" lang="en-US" sz="1300" spc="-1" strike="noStrike">
+                <a:solidFill>
+                  <a:srgbClr val="000000"/>
+                </a:solidFill>
+                <a:latin typeface="Calibri"/>
+                <a:ea typeface="DejaVu Sans"/>
+              </a:rPr>
+              <a:t>You need very </a:t>
+            </a:r>
+            <a:r>
+              <a:rPr b="0" lang="en-US" sz="1300" spc="-1" strike="noStrike">
+                <a:solidFill>
+                  <a:srgbClr val="000000"/>
+                </a:solidFill>
+                <a:latin typeface="Calibri"/>
+                <a:ea typeface="DejaVu Sans"/>
+              </a:rPr>
+              <a:t>strong foundation </a:t>
+            </a:r>
+            <a:r>
+              <a:rPr b="0" lang="en-US" sz="1300" spc="-1" strike="noStrike">
+                <a:solidFill>
+                  <a:srgbClr val="000000"/>
+                </a:solidFill>
+                <a:latin typeface="Calibri"/>
+                <a:ea typeface="DejaVu Sans"/>
+              </a:rPr>
+              <a:t>in computer </a:t>
+            </a:r>
+            <a:r>
+              <a:rPr b="0" lang="en-US" sz="1300" spc="-1" strike="noStrike">
+                <a:solidFill>
+                  <a:srgbClr val="000000"/>
+                </a:solidFill>
+                <a:latin typeface="Calibri"/>
+                <a:ea typeface="DejaVu Sans"/>
+              </a:rPr>
+              <a:t>science.</a:t>
+            </a:r>
+            <a:endParaRPr b="0" lang="en-US" sz="1300" spc="-1" strike="noStrike">
+              <a:latin typeface="Arial"/>
+            </a:endParaRPr>
+          </a:p>
+          <a:p>
+            <a:pPr marL="465120" indent="-465120">
+              <a:lnSpc>
+                <a:spcPct val="100000"/>
+              </a:lnSpc>
+              <a:spcBef>
+                <a:spcPts val="360"/>
+              </a:spcBef>
+              <a:buClr>
+                <a:srgbClr val="0070c0"/>
+              </a:buClr>
+              <a:buFont typeface="Wingdings" charset="2"/>
+              <a:buChar char=""/>
+            </a:pPr>
+            <a:r>
+              <a:rPr b="0" lang="en-US" sz="1300" spc="-1" strike="noStrike">
+                <a:solidFill>
+                  <a:srgbClr val="000000"/>
+                </a:solidFill>
+                <a:latin typeface="Calibri"/>
+                <a:ea typeface="DejaVu Sans"/>
+              </a:rPr>
+              <a:t>But Python is very </a:t>
+            </a:r>
+            <a:r>
+              <a:rPr b="0" lang="en-US" sz="1300" spc="-1" strike="noStrike">
+                <a:solidFill>
+                  <a:srgbClr val="000000"/>
+                </a:solidFill>
+                <a:latin typeface="Calibri"/>
+                <a:ea typeface="DejaVu Sans"/>
+              </a:rPr>
+              <a:t>easy to learn cross </a:t>
+            </a:r>
+            <a:r>
+              <a:rPr b="0" lang="en-US" sz="1300" spc="-1" strike="noStrike">
+                <a:solidFill>
+                  <a:srgbClr val="000000"/>
+                </a:solidFill>
+                <a:latin typeface="Calibri"/>
+                <a:ea typeface="DejaVu Sans"/>
+              </a:rPr>
+              <a:t>all the disciplines </a:t>
+            </a:r>
+            <a:r>
+              <a:rPr b="0" lang="en-US" sz="1300" spc="-1" strike="noStrike">
+                <a:solidFill>
+                  <a:srgbClr val="000000"/>
+                </a:solidFill>
+                <a:latin typeface="Calibri"/>
+                <a:ea typeface="DejaVu Sans"/>
+              </a:rPr>
+              <a:t>and all grades of </a:t>
+            </a:r>
+            <a:r>
+              <a:rPr b="0" lang="en-US" sz="1300" spc="-1" strike="noStrike">
+                <a:solidFill>
+                  <a:srgbClr val="000000"/>
+                </a:solidFill>
+                <a:latin typeface="Calibri"/>
+                <a:ea typeface="DejaVu Sans"/>
+              </a:rPr>
+              <a:t>elementary school.</a:t>
+            </a:r>
+            <a:endParaRPr b="0" lang="en-US" sz="1300" spc="-1" strike="noStrike">
+              <a:latin typeface="Arial"/>
+            </a:endParaRPr>
+          </a:p>
+          <a:p>
+            <a:pPr marL="465120" indent="-465120">
+              <a:lnSpc>
+                <a:spcPct val="100000"/>
+              </a:lnSpc>
+              <a:spcBef>
+                <a:spcPts val="360"/>
+              </a:spcBef>
+              <a:buClr>
+                <a:srgbClr val="0070c0"/>
+              </a:buClr>
+              <a:buFont typeface="Wingdings" charset="2"/>
+              <a:buChar char=""/>
+            </a:pPr>
+            <a:r>
+              <a:rPr b="0" lang="en-US" sz="1300" spc="-1" strike="noStrike">
+                <a:solidFill>
+                  <a:srgbClr val="000000"/>
+                </a:solidFill>
+                <a:latin typeface="Calibri"/>
+                <a:ea typeface="DejaVu Sans"/>
+              </a:rPr>
+              <a:t>Python is very easy </a:t>
+            </a:r>
+            <a:r>
+              <a:rPr b="0" lang="en-US" sz="1300" spc="-1" strike="noStrike">
+                <a:solidFill>
+                  <a:srgbClr val="000000"/>
+                </a:solidFill>
+                <a:latin typeface="Calibri"/>
+                <a:ea typeface="DejaVu Sans"/>
+              </a:rPr>
+              <a:t>for mathematical </a:t>
+            </a:r>
+            <a:r>
+              <a:rPr b="0" lang="en-US" sz="1300" spc="-1" strike="noStrike">
+                <a:solidFill>
+                  <a:srgbClr val="000000"/>
+                </a:solidFill>
+                <a:latin typeface="Calibri"/>
+                <a:ea typeface="DejaVu Sans"/>
+              </a:rPr>
+              <a:t>and statistics </a:t>
+            </a:r>
+            <a:r>
+              <a:rPr b="0" lang="en-US" sz="1300" spc="-1" strike="noStrike">
+                <a:solidFill>
+                  <a:srgbClr val="000000"/>
+                </a:solidFill>
+                <a:latin typeface="Calibri"/>
+                <a:ea typeface="DejaVu Sans"/>
+              </a:rPr>
+              <a:t>background, they </a:t>
+            </a:r>
+            <a:r>
+              <a:rPr b="0" lang="en-US" sz="1300" spc="-1" strike="noStrike">
+                <a:solidFill>
+                  <a:srgbClr val="000000"/>
+                </a:solidFill>
+                <a:latin typeface="Calibri"/>
+                <a:ea typeface="DejaVu Sans"/>
+              </a:rPr>
+              <a:t>can learn and write </a:t>
+            </a:r>
+            <a:r>
+              <a:rPr b="0" lang="en-US" sz="1300" spc="-1" strike="noStrike">
+                <a:solidFill>
+                  <a:srgbClr val="000000"/>
+                </a:solidFill>
+                <a:latin typeface="Calibri"/>
+                <a:ea typeface="DejaVu Sans"/>
+              </a:rPr>
+              <a:t>deep learning in a </a:t>
+            </a:r>
+            <a:r>
+              <a:rPr b="0" lang="en-US" sz="1300" spc="-1" strike="noStrike">
+                <a:solidFill>
+                  <a:srgbClr val="000000"/>
+                </a:solidFill>
+                <a:latin typeface="Calibri"/>
+                <a:ea typeface="DejaVu Sans"/>
+              </a:rPr>
+              <a:t>week. C++ is too </a:t>
+            </a:r>
+            <a:r>
+              <a:rPr b="0" lang="en-US" sz="1300" spc="-1" strike="noStrike">
+                <a:solidFill>
+                  <a:srgbClr val="000000"/>
+                </a:solidFill>
+                <a:latin typeface="Calibri"/>
+                <a:ea typeface="DejaVu Sans"/>
+              </a:rPr>
+              <a:t>hard to learn.</a:t>
+            </a:r>
+            <a:endParaRPr b="0" lang="en-US" sz="1300" spc="-1" strike="noStrike">
+              <a:latin typeface="Arial"/>
+            </a:endParaRPr>
+          </a:p>
+          <a:p>
+            <a:pPr marL="465120" indent="-465120">
+              <a:lnSpc>
+                <a:spcPct val="100000"/>
+              </a:lnSpc>
+              <a:spcBef>
+                <a:spcPts val="360"/>
+              </a:spcBef>
+              <a:buClr>
+                <a:srgbClr val="0070c0"/>
+              </a:buClr>
+              <a:buFont typeface="Wingdings" charset="2"/>
+              <a:buChar char=""/>
+            </a:pPr>
+            <a:r>
+              <a:rPr b="0" lang="en-US" sz="1300" spc="-1" strike="noStrike">
+                <a:solidFill>
+                  <a:srgbClr val="000000"/>
+                </a:solidFill>
+                <a:latin typeface="Calibri"/>
+                <a:ea typeface="DejaVu Sans"/>
+              </a:rPr>
+              <a:t>Meta PyTorch </a:t>
+            </a:r>
+            <a:r>
+              <a:rPr b="0" lang="en-US" sz="1300" spc="-1" strike="noStrike">
+                <a:solidFill>
+                  <a:srgbClr val="000000"/>
+                </a:solidFill>
+                <a:latin typeface="Calibri"/>
+                <a:ea typeface="DejaVu Sans"/>
+              </a:rPr>
+              <a:t>libraries and Google </a:t>
+            </a:r>
+            <a:r>
+              <a:rPr b="0" lang="en-US" sz="1300" spc="-1" strike="noStrike">
+                <a:solidFill>
+                  <a:srgbClr val="000000"/>
+                </a:solidFill>
+                <a:latin typeface="Calibri"/>
+                <a:ea typeface="DejaVu Sans"/>
+              </a:rPr>
+              <a:t>Tensorflow are </a:t>
+            </a:r>
+            <a:r>
+              <a:rPr b="0" lang="en-US" sz="1300" spc="-1" strike="noStrike">
+                <a:solidFill>
+                  <a:srgbClr val="000000"/>
+                </a:solidFill>
+                <a:latin typeface="Calibri"/>
+                <a:ea typeface="DejaVu Sans"/>
+              </a:rPr>
+              <a:t>framework: </a:t>
+            </a:r>
+            <a:r>
+              <a:rPr b="0" lang="en-US" sz="1300" spc="-1" strike="noStrike">
+                <a:solidFill>
+                  <a:srgbClr val="000000"/>
+                </a:solidFill>
+                <a:latin typeface="Calibri"/>
+                <a:ea typeface="DejaVu Sans"/>
+              </a:rPr>
+              <a:t>framework are </a:t>
+            </a:r>
+            <a:r>
+              <a:rPr b="0" lang="en-US" sz="1300" spc="-1" strike="noStrike">
+                <a:solidFill>
+                  <a:srgbClr val="000000"/>
+                </a:solidFill>
+                <a:latin typeface="Calibri"/>
+                <a:ea typeface="DejaVu Sans"/>
+              </a:rPr>
+              <a:t>collections of </a:t>
+            </a:r>
+            <a:r>
+              <a:rPr b="0" lang="en-US" sz="1300" spc="-1" strike="noStrike">
+                <a:solidFill>
+                  <a:srgbClr val="000000"/>
+                </a:solidFill>
+                <a:latin typeface="Calibri"/>
+                <a:ea typeface="DejaVu Sans"/>
+              </a:rPr>
+              <a:t>libraries (folder), </a:t>
+            </a:r>
+            <a:r>
+              <a:rPr b="0" lang="en-US" sz="1300" spc="-1" strike="noStrike">
+                <a:solidFill>
+                  <a:srgbClr val="000000"/>
+                </a:solidFill>
+                <a:latin typeface="Calibri"/>
+                <a:ea typeface="DejaVu Sans"/>
+              </a:rPr>
+              <a:t>packages (files), </a:t>
+            </a:r>
+            <a:r>
+              <a:rPr b="0" lang="en-US" sz="1300" spc="-1" strike="noStrike">
+                <a:solidFill>
+                  <a:srgbClr val="000000"/>
+                </a:solidFill>
+                <a:latin typeface="Calibri"/>
+                <a:ea typeface="DejaVu Sans"/>
+              </a:rPr>
+              <a:t>classes (object-</a:t>
+            </a:r>
+            <a:r>
+              <a:rPr b="0" lang="en-US" sz="1300" spc="-1" strike="noStrike">
+                <a:solidFill>
+                  <a:srgbClr val="000000"/>
+                </a:solidFill>
+                <a:latin typeface="Calibri"/>
+                <a:ea typeface="DejaVu Sans"/>
+              </a:rPr>
+              <a:t>based), methods </a:t>
+            </a:r>
+            <a:r>
+              <a:rPr b="0" lang="en-US" sz="1300" spc="-1" strike="noStrike">
+                <a:solidFill>
+                  <a:srgbClr val="000000"/>
+                </a:solidFill>
+                <a:latin typeface="Calibri"/>
+                <a:ea typeface="DejaVu Sans"/>
+              </a:rPr>
+              <a:t>(functions inside </a:t>
+            </a:r>
+            <a:r>
+              <a:rPr b="0" lang="en-US" sz="1300" spc="-1" strike="noStrike">
+                <a:solidFill>
+                  <a:srgbClr val="000000"/>
+                </a:solidFill>
+                <a:latin typeface="Calibri"/>
+                <a:ea typeface="DejaVu Sans"/>
+              </a:rPr>
+              <a:t>the class). These </a:t>
+            </a:r>
+            <a:r>
+              <a:rPr b="0" lang="en-US" sz="1300" spc="-1" strike="noStrike">
+                <a:solidFill>
+                  <a:srgbClr val="000000"/>
+                </a:solidFill>
+                <a:latin typeface="Calibri"/>
+                <a:ea typeface="DejaVu Sans"/>
+              </a:rPr>
+              <a:t>are all free.</a:t>
+            </a:r>
+            <a:endParaRPr b="0" lang="en-US" sz="1300" spc="-1" strike="noStrike">
+              <a:latin typeface="Arial"/>
+            </a:endParaRPr>
+          </a:p>
+          <a:p>
+            <a:pPr marL="465120" indent="-465120">
+              <a:lnSpc>
+                <a:spcPct val="100000"/>
+              </a:lnSpc>
+              <a:spcBef>
+                <a:spcPts val="360"/>
+              </a:spcBef>
+              <a:buClr>
+                <a:srgbClr val="0070c0"/>
+              </a:buClr>
+              <a:buFont typeface="Wingdings" charset="2"/>
+              <a:buChar char=""/>
+            </a:pPr>
+            <a:r>
+              <a:rPr b="0" lang="en-US" sz="1300" spc="-1" strike="noStrike">
+                <a:solidFill>
+                  <a:srgbClr val="000000"/>
+                </a:solidFill>
+                <a:latin typeface="Calibri"/>
+                <a:ea typeface="DejaVu Sans"/>
+              </a:rPr>
+              <a:t>We can cloud to </a:t>
+            </a:r>
+            <a:r>
+              <a:rPr b="0" lang="en-US" sz="1300" spc="-1" strike="noStrike">
+                <a:solidFill>
+                  <a:srgbClr val="000000"/>
+                </a:solidFill>
+                <a:latin typeface="Calibri"/>
+                <a:ea typeface="DejaVu Sans"/>
+              </a:rPr>
+              <a:t>save hardware cost. </a:t>
+            </a:r>
+            <a:endParaRPr b="0" lang="en-US" sz="1300" spc="-1" strike="noStrike">
+              <a:latin typeface="Arial"/>
+            </a:endParaRPr>
+          </a:p>
+          <a:p>
+            <a:pPr marL="465120" indent="-465120">
+              <a:lnSpc>
+                <a:spcPct val="100000"/>
+              </a:lnSpc>
+              <a:spcBef>
+                <a:spcPts val="360"/>
+              </a:spcBef>
+              <a:buClr>
+                <a:srgbClr val="0070c0"/>
+              </a:buClr>
+              <a:buFont typeface="Wingdings" charset="2"/>
+              <a:buChar char=""/>
+            </a:pPr>
+            <a:r>
+              <a:rPr b="0" lang="en-US" sz="1300" spc="-1" strike="noStrike">
+                <a:solidFill>
+                  <a:srgbClr val="000000"/>
+                </a:solidFill>
+                <a:latin typeface="Calibri"/>
+                <a:ea typeface="DejaVu Sans"/>
+              </a:rPr>
+              <a:t>If you are not in AI, </a:t>
+            </a:r>
+            <a:r>
+              <a:rPr b="0" lang="en-US" sz="1300" spc="-1" strike="noStrike">
+                <a:solidFill>
+                  <a:srgbClr val="000000"/>
+                </a:solidFill>
+                <a:latin typeface="Calibri"/>
+                <a:ea typeface="DejaVu Sans"/>
+              </a:rPr>
+              <a:t>ML, DL, DRL, LLM, </a:t>
+            </a:r>
+            <a:r>
+              <a:rPr b="0" lang="en-US" sz="1300" spc="-1" strike="noStrike">
+                <a:solidFill>
+                  <a:srgbClr val="000000"/>
+                </a:solidFill>
+                <a:latin typeface="Calibri"/>
+                <a:ea typeface="DejaVu Sans"/>
+              </a:rPr>
+              <a:t>Full Stack, etc, you </a:t>
+            </a:r>
+            <a:r>
+              <a:rPr b="0" lang="en-US" sz="1300" spc="-1" strike="noStrike">
+                <a:solidFill>
+                  <a:srgbClr val="000000"/>
+                </a:solidFill>
+                <a:latin typeface="Calibri"/>
+                <a:ea typeface="DejaVu Sans"/>
+              </a:rPr>
+              <a:t>are far behind the </a:t>
+            </a:r>
+            <a:r>
+              <a:rPr b="0" lang="en-US" sz="1300" spc="-1" strike="noStrike">
+                <a:solidFill>
+                  <a:srgbClr val="000000"/>
+                </a:solidFill>
+                <a:latin typeface="Calibri"/>
+                <a:ea typeface="DejaVu Sans"/>
+              </a:rPr>
+              <a:t>market.</a:t>
+            </a:r>
+            <a:endParaRPr b="0" lang="en-US" sz="1300" spc="-1" strike="noStrike">
+              <a:latin typeface="Arial"/>
+            </a:endParaRPr>
+          </a:p>
+        </p:txBody>
+      </p:sp>
+      <p:sp>
+        <p:nvSpPr>
+          <p:cNvPr id="113" name="標題 4"/>
+          <p:cNvSpPr/>
+          <p:nvPr/>
+        </p:nvSpPr>
+        <p:spPr>
+          <a:xfrm>
+            <a:off x="2880" y="759600"/>
+            <a:ext cx="9138600" cy="338400"/>
           </a:xfrm>
           <a:prstGeom prst="rect">
             <a:avLst/>
@@ -7745,6 +10175,213 @@
             <a:noFill/>
           </a:ln>
         </p:spPr>
+        <p:style>
+          <a:lnRef idx="0"/>
+          <a:fillRef idx="0"/>
+          <a:effectRef idx="0"/>
+          <a:fontRef idx="minor"/>
+        </p:style>
+        <p:txBody>
+          <a:bodyPr lIns="90000" rIns="90000" tIns="45000" bIns="45000" anchor="ctr">
+            <a:normAutofit/>
+          </a:bodyPr>
+          <a:p>
+            <a:pPr>
+              <a:lnSpc>
+                <a:spcPct val="100000"/>
+              </a:lnSpc>
+              <a:buNone/>
+            </a:pPr>
+            <a:r>
+              <a:rPr b="0" lang="en-US" sz="1200" spc="-1" strike="noStrike">
+                <a:solidFill>
+                  <a:srgbClr val="000000"/>
+                </a:solidFill>
+                <a:latin typeface="Calibri"/>
+                <a:ea typeface="DejaVu Sans"/>
+              </a:rPr>
+              <a:t>https://www.youtube.com/watch?v=yfsTZbwgMSE&amp;list=PLeo1K3hjS3uu7CxAacxVndI4bE_o3BDtO&amp;index=2</a:t>
+            </a:r>
+            <a:endParaRPr b="0" lang="en-US" sz="1200" spc="-1" strike="noStrike">
+              <a:latin typeface="Arial"/>
+            </a:endParaRPr>
+          </a:p>
+        </p:txBody>
+      </p:sp>
+      <p:sp>
+        <p:nvSpPr>
+          <p:cNvPr id="114" name="PlaceHolder 3"/>
+          <p:cNvSpPr>
+            <a:spLocks noGrp="1"/>
+          </p:cNvSpPr>
+          <p:nvPr>
+            <p:ph type="sldNum" idx="13"/>
+          </p:nvPr>
+        </p:nvSpPr>
+        <p:spPr>
+          <a:xfrm>
+            <a:off x="6553080" y="6356520"/>
+            <a:ext cx="2112120" cy="343440"/>
+          </a:xfrm>
+          <a:prstGeom prst="rect">
+            <a:avLst/>
+          </a:prstGeom>
+          <a:noFill/>
+          <a:ln w="0">
+            <a:noFill/>
+          </a:ln>
+        </p:spPr>
+        <p:txBody>
+          <a:bodyPr lIns="90000" rIns="90000" tIns="45000" bIns="45000" anchor="ctr">
+            <a:noAutofit/>
+          </a:bodyPr>
+          <a:lstStyle>
+            <a:lvl1pPr algn="r">
+              <a:lnSpc>
+                <a:spcPct val="100000"/>
+              </a:lnSpc>
+              <a:buNone/>
+              <a:defRPr b="0" lang="en-US" sz="1200" spc="-1" strike="noStrike">
+                <a:solidFill>
+                  <a:srgbClr val="8b8b8b"/>
+                </a:solidFill>
+                <a:latin typeface="Calibri"/>
+                <a:ea typeface="DejaVu Sans"/>
+              </a:defRPr>
+            </a:lvl1pPr>
+          </a:lstStyle>
+          <a:p>
+            <a:pPr algn="r">
+              <a:lnSpc>
+                <a:spcPct val="100000"/>
+              </a:lnSpc>
+              <a:buNone/>
+            </a:pPr>
+            <a:fld id="{DA169C4E-A913-419C-A51D-EE371F71FFBF}" type="slidenum">
+              <a:rPr b="0" lang="en-US" sz="1200" spc="-1" strike="noStrike">
+                <a:solidFill>
+                  <a:srgbClr val="8b8b8b"/>
+                </a:solidFill>
+                <a:latin typeface="Calibri"/>
+                <a:ea typeface="DejaVu Sans"/>
+              </a:rPr>
+              <a:t>5</a:t>
+            </a:fld>
+            <a:endParaRPr b="0" lang="en-US" sz="1200" spc="-1" strike="noStrike">
+              <a:latin typeface="Times New Roman"/>
+            </a:endParaRPr>
+          </a:p>
+        </p:txBody>
+      </p:sp>
+      <p:pic>
+        <p:nvPicPr>
+          <p:cNvPr id="115" name="" descr=""/>
+          <p:cNvPicPr/>
+          <p:nvPr/>
+        </p:nvPicPr>
+        <p:blipFill>
+          <a:blip r:embed="rId1"/>
+          <a:stretch/>
+        </p:blipFill>
+        <p:spPr>
+          <a:xfrm>
+            <a:off x="914400" y="4800960"/>
+            <a:ext cx="4266720" cy="914040"/>
+          </a:xfrm>
+          <a:prstGeom prst="rect">
+            <a:avLst/>
+          </a:prstGeom>
+          <a:ln w="0">
+            <a:solidFill>
+              <a:srgbClr val="bf0041"/>
+            </a:solidFill>
+          </a:ln>
+        </p:spPr>
+      </p:pic>
+      <p:sp>
+        <p:nvSpPr>
+          <p:cNvPr id="5" name="PlaceHolder 4"/>
+          <p:cNvSpPr>
+            <a:spLocks noGrp="1"/>
+          </p:cNvSpPr>
+          <p:nvPr>
+            <p:ph type="dt" idx="6"/>
+          </p:nvPr>
+        </p:nvSpPr>
+        <p:spPr/>
+        <p:txBody>
+          <a:bodyPr/>
+          <a:p>
+            <a:fld id="{02365B82-FAA8-464B-B1E6-B78B300F2ACF}" type="datetime1">
+              <a:rPr lang="en-US"/>
+              <a:t>01/18/2024</a:t>
+            </a:fld>
+          </a:p>
+        </p:txBody>
+      </p:sp>
+    </p:spTree>
+  </p:cSld>
+  <mc:AlternateContent>
+    <mc:Choice Requires="p14">
+      <p:transition spd="slow" p14:dur="2000"/>
+    </mc:Choice>
+    <mc:Fallback>
+      <p:transition spd="slow"/>
+    </mc:Fallback>
+  </mc:AlternateContent>
+</p:sld>
+</file>
+
+<file path=ppt/slides/slide6.xml><?xml version="1.0" encoding="utf-8"?>
+<p:sld xmlns:a="http://schemas.openxmlformats.org/drawingml/2006/main" xmlns:p="http://schemas.openxmlformats.org/presentationml/2006/main" xmlns:r="http://schemas.openxmlformats.org/officeDocument/2006/relationships" xmlns:p14="http://schemas.microsoft.com/office/powerpoint/2010/main" xmlns:p15="http://schemas.microsoft.com/office/powerpoint/2012/main" xmlns:mc="http://schemas.openxmlformats.org/markup-compatibility/2006">
+  <p:cSld>
+    <p:spTree>
+      <p:nvGrpSpPr>
+        <p:cNvPr id="1" name=""/>
+        <p:cNvGrpSpPr/>
+        <p:nvPr/>
+      </p:nvGrpSpPr>
+      <p:grpSpPr>
+        <a:xfrm>
+          <a:off x="0" y="0"/>
+          <a:ext cx="0" cy="0"/>
+          <a:chOff x="0" y="0"/>
+          <a:chExt cx="0" cy="0"/>
+        </a:xfrm>
+      </p:grpSpPr>
+      <p:sp>
+        <p:nvSpPr>
+          <p:cNvPr id="116" name="PlaceHolder 1"/>
+          <p:cNvSpPr>
+            <a:spLocks noGrp="1"/>
+          </p:cNvSpPr>
+          <p:nvPr>
+            <p:ph type="title"/>
+          </p:nvPr>
+        </p:nvSpPr>
+        <p:spPr>
+          <a:xfrm>
+            <a:off x="0" y="2130480"/>
+            <a:ext cx="9122400" cy="1448280"/>
+          </a:xfrm>
+          <a:prstGeom prst="rect">
+            <a:avLst/>
+          </a:prstGeom>
+          <a:gradFill rotWithShape="0">
+            <a:gsLst>
+              <a:gs pos="0">
+                <a:srgbClr val="00afef"/>
+              </a:gs>
+              <a:gs pos="100000">
+                <a:srgbClr val="00688e"/>
+              </a:gs>
+            </a:gsLst>
+            <a:lin ang="8100000"/>
+          </a:gradFill>
+          <a:ln w="0">
+            <a:noFill/>
+          </a:ln>
+        </p:spPr>
         <p:txBody>
           <a:bodyPr lIns="0" rIns="0" tIns="0" bIns="0" anchor="ctr">
             <a:normAutofit/>
@@ -7764,7 +10401,17 @@
                 <a:latin typeface="Calibri"/>
                 <a:ea typeface="DejaVu Sans"/>
               </a:rPr>
-              <a:t>End</a:t>
+              <a:t>En</a:t>
+            </a:r>
+            <a:r>
+              <a:rPr b="1" lang="en-US" sz="6000" spc="-1" strike="noStrike">
+                <a:solidFill>
+                  <a:srgbClr val="ffff00"/>
+                </a:solidFill>
+                <a:latin typeface="Calibri"/>
+                <a:ea typeface="DejaVu Sans"/>
+              </a:rPr>
+              <a:t>d</a:t>
             </a:r>
             <a:endParaRPr b="0" lang="en-US" sz="6000" spc="-1" strike="noStrike">
               <a:latin typeface="Arial"/>
@@ -7786,8 +10433,8 @@
         <p:txBody>
           <a:bodyPr/>
           <a:p>
-            <a:fld id="{80F01AFD-8364-4D16-9931-7B34384DBC70}" type="slidenum">
-              <a:t>5</a:t>
+            <a:fld id="{6CCE2FF6-077E-47CD-8BA6-F8CD87EC2238}" type="slidenum">
+              <a:t>6</a:t>
             </a:fld>
           </a:p>
         </p:txBody>
@@ -7806,9 +10453,9 @@
         <p:txBody>
           <a:bodyPr/>
           <a:p>
-            <a:fld id="{0D2110F4-FE9B-451F-B98E-39FE163D7CEC}" type="datetime1">
+            <a:fld id="{3ABA0406-6381-4315-9230-26F5E954DEBF}" type="datetime1">
               <a:rPr lang="en-US"/>
-              <a:t>11/26/2023</a:t>
+              <a:t>01/18/2024</a:t>
             </a:fld>
           </a:p>
         </p:txBody>
